--- a/10 Dokumente/Git Presentation/Presentation.pptx
+++ b/10 Dokumente/Git Presentation/Presentation.pptx
@@ -5,30 +5,18 @@
     <p:sldMasterId id="2147483660" r:id="rId1"/>
   </p:sldMasterIdLst>
   <p:notesMasterIdLst>
-    <p:notesMasterId r:id="rId23"/>
+    <p:notesMasterId r:id="rId11"/>
   </p:notesMasterIdLst>
   <p:sldIdLst>
     <p:sldId id="256" r:id="rId2"/>
     <p:sldId id="257" r:id="rId3"/>
     <p:sldId id="258" r:id="rId4"/>
-    <p:sldId id="259" r:id="rId5"/>
-    <p:sldId id="260" r:id="rId6"/>
-    <p:sldId id="262" r:id="rId7"/>
-    <p:sldId id="261" r:id="rId8"/>
-    <p:sldId id="263" r:id="rId9"/>
+    <p:sldId id="280" r:id="rId5"/>
+    <p:sldId id="281" r:id="rId6"/>
+    <p:sldId id="282" r:id="rId7"/>
+    <p:sldId id="262" r:id="rId8"/>
+    <p:sldId id="279" r:id="rId9"/>
     <p:sldId id="264" r:id="rId10"/>
-    <p:sldId id="265" r:id="rId11"/>
-    <p:sldId id="270" r:id="rId12"/>
-    <p:sldId id="276" r:id="rId13"/>
-    <p:sldId id="275" r:id="rId14"/>
-    <p:sldId id="274" r:id="rId15"/>
-    <p:sldId id="273" r:id="rId16"/>
-    <p:sldId id="272" r:id="rId17"/>
-    <p:sldId id="271" r:id="rId18"/>
-    <p:sldId id="269" r:id="rId19"/>
-    <p:sldId id="277" r:id="rId20"/>
-    <p:sldId id="278" r:id="rId21"/>
-    <p:sldId id="279" r:id="rId22"/>
   </p:sldIdLst>
   <p:sldSz cx="9144000" cy="6858000" type="screen4x3"/>
   <p:notesSz cx="6858000" cy="9144000"/>
@@ -929,7 +917,7 @@
         <a:lstStyle/>
         <a:p>
           <a:r>
-            <a:rPr lang="de-DE" dirty="0" err="1" smtClean="0"/>
+            <a:rPr lang="de-DE" dirty="0" smtClean="0"/>
             <a:t>commit</a:t>
           </a:r>
           <a:endParaRPr lang="de-DE" dirty="0"/>
@@ -1109,6 +1097,13 @@
         </dgm:presLayoutVars>
       </dgm:prSet>
       <dgm:spPr/>
+      <dgm:t>
+        <a:bodyPr/>
+        <a:lstStyle/>
+        <a:p>
+          <a:endParaRPr lang="de-DE"/>
+        </a:p>
+      </dgm:t>
     </dgm:pt>
     <dgm:pt modelId="{5DD4DC31-53C5-4B0C-9678-E36E4088B5C9}" type="pres">
       <dgm:prSet presAssocID="{F6DC1EE5-3813-4439-BC87-FC8F0DA2CBBA}" presName="parTxOnlySpace" presStyleCnt="0"/>
@@ -1123,6 +1118,13 @@
         </dgm:presLayoutVars>
       </dgm:prSet>
       <dgm:spPr/>
+      <dgm:t>
+        <a:bodyPr/>
+        <a:lstStyle/>
+        <a:p>
+          <a:endParaRPr lang="de-DE"/>
+        </a:p>
+      </dgm:t>
     </dgm:pt>
     <dgm:pt modelId="{3030375D-8FC5-4A7F-96D6-A21ECA11F74D}" type="pres">
       <dgm:prSet presAssocID="{5DBE164D-02D5-458A-A1C9-0CBB3A15893D}" presName="parTxOnlySpace" presStyleCnt="0"/>
@@ -1137,6 +1139,13 @@
         </dgm:presLayoutVars>
       </dgm:prSet>
       <dgm:spPr/>
+      <dgm:t>
+        <a:bodyPr/>
+        <a:lstStyle/>
+        <a:p>
+          <a:endParaRPr lang="de-DE"/>
+        </a:p>
+      </dgm:t>
     </dgm:pt>
     <dgm:pt modelId="{621CBF24-0C8F-4714-9530-FC71D5FAD19C}" type="pres">
       <dgm:prSet presAssocID="{3274F52E-7F17-4EA7-B532-FE11854D3DFE}" presName="parTxOnlySpace" presStyleCnt="0"/>
@@ -1151,6 +1160,13 @@
         </dgm:presLayoutVars>
       </dgm:prSet>
       <dgm:spPr/>
+      <dgm:t>
+        <a:bodyPr/>
+        <a:lstStyle/>
+        <a:p>
+          <a:endParaRPr lang="de-DE"/>
+        </a:p>
+      </dgm:t>
     </dgm:pt>
   </dgm:ptLst>
   <dgm:cxnLst>
@@ -1336,7 +1352,7 @@
             </a:spcAft>
           </a:pPr>
           <a:r>
-            <a:rPr lang="de-DE" sz="2300" kern="1200" dirty="0" err="1" smtClean="0"/>
+            <a:rPr lang="de-DE" sz="2300" kern="1200" dirty="0" smtClean="0"/>
             <a:t>commit</a:t>
           </a:r>
           <a:endParaRPr lang="de-DE" sz="2300" kern="1200" dirty="0"/>
@@ -2981,7 +2997,7 @@
           <a:p>
             <a:fld id="{ED84F393-9BAA-452C-A013-D04B73E1F628}" type="datetimeFigureOut">
               <a:rPr lang="de-DE" smtClean="0"/>
-              <a:t>17.09.2011</a:t>
+              <a:t>18.09.2011</a:t>
             </a:fld>
             <a:endParaRPr lang="de-DE"/>
           </a:p>
@@ -3359,1253 +3375,6 @@
 </p:notes>
 </file>
 
-<file path=ppt/notesSlides/notesSlide10.xml><?xml version="1.0" encoding="utf-8"?>
-<p:notes xmlns:a="http://schemas.openxmlformats.org/drawingml/2006/main" xmlns:r="http://schemas.openxmlformats.org/officeDocument/2006/relationships" xmlns:p="http://schemas.openxmlformats.org/presentationml/2006/main">
-  <p:cSld>
-    <p:spTree>
-      <p:nvGrpSpPr>
-        <p:cNvPr id="1" name=""/>
-        <p:cNvGrpSpPr/>
-        <p:nvPr/>
-      </p:nvGrpSpPr>
-      <p:grpSpPr>
-        <a:xfrm>
-          <a:off x="0" y="0"/>
-          <a:ext cx="0" cy="0"/>
-          <a:chOff x="0" y="0"/>
-          <a:chExt cx="0" cy="0"/>
-        </a:xfrm>
-      </p:grpSpPr>
-      <p:sp>
-        <p:nvSpPr>
-          <p:cNvPr id="2" name="Folienbildplatzhalter 1"/>
-          <p:cNvSpPr>
-            <a:spLocks noGrp="1" noRot="1" noChangeAspect="1"/>
-          </p:cNvSpPr>
-          <p:nvPr>
-            <p:ph type="sldImg"/>
-          </p:nvPr>
-        </p:nvSpPr>
-        <p:spPr/>
-      </p:sp>
-      <p:sp>
-        <p:nvSpPr>
-          <p:cNvPr id="3" name="Notizenplatzhalter 2"/>
-          <p:cNvSpPr>
-            <a:spLocks noGrp="1"/>
-          </p:cNvSpPr>
-          <p:nvPr>
-            <p:ph type="body" idx="1"/>
-          </p:nvPr>
-        </p:nvSpPr>
-        <p:spPr/>
-        <p:txBody>
-          <a:bodyPr/>
-          <a:lstStyle/>
-          <a:p>
-            <a:r>
-              <a:rPr lang="de-DE" dirty="0" smtClean="0"/>
-              <a:t>Anfangssituation</a:t>
-            </a:r>
-          </a:p>
-          <a:p>
-            <a:endParaRPr lang="de-DE" dirty="0" smtClean="0"/>
-          </a:p>
-          <a:p>
-            <a:r>
-              <a:rPr lang="de-DE" dirty="0" smtClean="0"/>
-              <a:t>vorführen</a:t>
-            </a:r>
-            <a:r>
-              <a:rPr lang="de-DE" baseline="0" dirty="0" smtClean="0"/>
-              <a:t> mit </a:t>
-            </a:r>
-            <a:r>
-              <a:rPr lang="de-DE" baseline="0" dirty="0" err="1" smtClean="0"/>
-              <a:t>bash</a:t>
-            </a:r>
-            <a:r>
-              <a:rPr lang="de-DE" baseline="0" dirty="0" smtClean="0"/>
-              <a:t>!</a:t>
-            </a:r>
-            <a:endParaRPr lang="de-DE" dirty="0"/>
-          </a:p>
-        </p:txBody>
-      </p:sp>
-      <p:sp>
-        <p:nvSpPr>
-          <p:cNvPr id="4" name="Foliennummernplatzhalter 3"/>
-          <p:cNvSpPr>
-            <a:spLocks noGrp="1"/>
-          </p:cNvSpPr>
-          <p:nvPr>
-            <p:ph type="sldNum" sz="quarter" idx="10"/>
-          </p:nvPr>
-        </p:nvSpPr>
-        <p:spPr/>
-        <p:txBody>
-          <a:bodyPr/>
-          <a:lstStyle/>
-          <a:p>
-            <a:fld id="{A0720209-B8CB-4A8B-9435-470092FB7171}" type="slidenum">
-              <a:rPr lang="de-DE" smtClean="0"/>
-              <a:t>11</a:t>
-            </a:fld>
-            <a:endParaRPr lang="de-DE"/>
-          </a:p>
-        </p:txBody>
-      </p:sp>
-    </p:spTree>
-    <p:extLst>
-      <p:ext uri="{BB962C8B-B14F-4D97-AF65-F5344CB8AC3E}">
-        <p14:creationId xmlns:p14="http://schemas.microsoft.com/office/powerpoint/2010/main" val="839584382"/>
-      </p:ext>
-    </p:extLst>
-  </p:cSld>
-  <p:clrMapOvr>
-    <a:masterClrMapping/>
-  </p:clrMapOvr>
-</p:notes>
-</file>
-
-<file path=ppt/notesSlides/notesSlide11.xml><?xml version="1.0" encoding="utf-8"?>
-<p:notes xmlns:a="http://schemas.openxmlformats.org/drawingml/2006/main" xmlns:r="http://schemas.openxmlformats.org/officeDocument/2006/relationships" xmlns:p="http://schemas.openxmlformats.org/presentationml/2006/main">
-  <p:cSld>
-    <p:spTree>
-      <p:nvGrpSpPr>
-        <p:cNvPr id="1" name=""/>
-        <p:cNvGrpSpPr/>
-        <p:nvPr/>
-      </p:nvGrpSpPr>
-      <p:grpSpPr>
-        <a:xfrm>
-          <a:off x="0" y="0"/>
-          <a:ext cx="0" cy="0"/>
-          <a:chOff x="0" y="0"/>
-          <a:chExt cx="0" cy="0"/>
-        </a:xfrm>
-      </p:grpSpPr>
-      <p:sp>
-        <p:nvSpPr>
-          <p:cNvPr id="2" name="Folienbildplatzhalter 1"/>
-          <p:cNvSpPr>
-            <a:spLocks noGrp="1" noRot="1" noChangeAspect="1"/>
-          </p:cNvSpPr>
-          <p:nvPr>
-            <p:ph type="sldImg"/>
-          </p:nvPr>
-        </p:nvSpPr>
-        <p:spPr/>
-      </p:sp>
-      <p:sp>
-        <p:nvSpPr>
-          <p:cNvPr id="3" name="Notizenplatzhalter 2"/>
-          <p:cNvSpPr>
-            <a:spLocks noGrp="1"/>
-          </p:cNvSpPr>
-          <p:nvPr>
-            <p:ph type="body" idx="1"/>
-          </p:nvPr>
-        </p:nvSpPr>
-        <p:spPr/>
-        <p:txBody>
-          <a:bodyPr/>
-          <a:lstStyle/>
-          <a:p>
-            <a:r>
-              <a:rPr lang="de-DE" dirty="0" smtClean="0"/>
-              <a:t>neuen </a:t>
-            </a:r>
-            <a:r>
-              <a:rPr lang="de-DE" dirty="0" err="1" smtClean="0"/>
-              <a:t>Branch</a:t>
-            </a:r>
-            <a:r>
-              <a:rPr lang="de-DE" dirty="0" smtClean="0"/>
-              <a:t> erstellen</a:t>
-            </a:r>
-            <a:r>
-              <a:rPr lang="de-DE" baseline="0" dirty="0" smtClean="0"/>
-              <a:t>: iss53</a:t>
-            </a:r>
-          </a:p>
-        </p:txBody>
-      </p:sp>
-      <p:sp>
-        <p:nvSpPr>
-          <p:cNvPr id="4" name="Foliennummernplatzhalter 3"/>
-          <p:cNvSpPr>
-            <a:spLocks noGrp="1"/>
-          </p:cNvSpPr>
-          <p:nvPr>
-            <p:ph type="sldNum" sz="quarter" idx="10"/>
-          </p:nvPr>
-        </p:nvSpPr>
-        <p:spPr/>
-        <p:txBody>
-          <a:bodyPr/>
-          <a:lstStyle/>
-          <a:p>
-            <a:fld id="{A0720209-B8CB-4A8B-9435-470092FB7171}" type="slidenum">
-              <a:rPr lang="de-DE" smtClean="0"/>
-              <a:t>12</a:t>
-            </a:fld>
-            <a:endParaRPr lang="de-DE"/>
-          </a:p>
-        </p:txBody>
-      </p:sp>
-    </p:spTree>
-    <p:extLst>
-      <p:ext uri="{BB962C8B-B14F-4D97-AF65-F5344CB8AC3E}">
-        <p14:creationId xmlns:p14="http://schemas.microsoft.com/office/powerpoint/2010/main" val="839584382"/>
-      </p:ext>
-    </p:extLst>
-  </p:cSld>
-  <p:clrMapOvr>
-    <a:masterClrMapping/>
-  </p:clrMapOvr>
-</p:notes>
-</file>
-
-<file path=ppt/notesSlides/notesSlide12.xml><?xml version="1.0" encoding="utf-8"?>
-<p:notes xmlns:a="http://schemas.openxmlformats.org/drawingml/2006/main" xmlns:r="http://schemas.openxmlformats.org/officeDocument/2006/relationships" xmlns:p="http://schemas.openxmlformats.org/presentationml/2006/main">
-  <p:cSld>
-    <p:spTree>
-      <p:nvGrpSpPr>
-        <p:cNvPr id="1" name=""/>
-        <p:cNvGrpSpPr/>
-        <p:nvPr/>
-      </p:nvGrpSpPr>
-      <p:grpSpPr>
-        <a:xfrm>
-          <a:off x="0" y="0"/>
-          <a:ext cx="0" cy="0"/>
-          <a:chOff x="0" y="0"/>
-          <a:chExt cx="0" cy="0"/>
-        </a:xfrm>
-      </p:grpSpPr>
-      <p:sp>
-        <p:nvSpPr>
-          <p:cNvPr id="2" name="Folienbildplatzhalter 1"/>
-          <p:cNvSpPr>
-            <a:spLocks noGrp="1" noRot="1" noChangeAspect="1"/>
-          </p:cNvSpPr>
-          <p:nvPr>
-            <p:ph type="sldImg"/>
-          </p:nvPr>
-        </p:nvSpPr>
-        <p:spPr/>
-      </p:sp>
-      <p:sp>
-        <p:nvSpPr>
-          <p:cNvPr id="3" name="Notizenplatzhalter 2"/>
-          <p:cNvSpPr>
-            <a:spLocks noGrp="1"/>
-          </p:cNvSpPr>
-          <p:nvPr>
-            <p:ph type="body" idx="1"/>
-          </p:nvPr>
-        </p:nvSpPr>
-        <p:spPr/>
-        <p:txBody>
-          <a:bodyPr/>
-          <a:lstStyle/>
-          <a:p>
-            <a:r>
-              <a:rPr lang="de-DE" dirty="0" smtClean="0"/>
-              <a:t>Änderungen</a:t>
-            </a:r>
-            <a:r>
-              <a:rPr lang="de-DE" baseline="0" dirty="0" smtClean="0"/>
-              <a:t> &amp; </a:t>
-            </a:r>
-            <a:r>
-              <a:rPr lang="de-DE" baseline="0" dirty="0" err="1" smtClean="0"/>
-              <a:t>commit</a:t>
-            </a:r>
-            <a:endParaRPr lang="de-DE" dirty="0"/>
-          </a:p>
-        </p:txBody>
-      </p:sp>
-      <p:sp>
-        <p:nvSpPr>
-          <p:cNvPr id="4" name="Foliennummernplatzhalter 3"/>
-          <p:cNvSpPr>
-            <a:spLocks noGrp="1"/>
-          </p:cNvSpPr>
-          <p:nvPr>
-            <p:ph type="sldNum" sz="quarter" idx="10"/>
-          </p:nvPr>
-        </p:nvSpPr>
-        <p:spPr/>
-        <p:txBody>
-          <a:bodyPr/>
-          <a:lstStyle/>
-          <a:p>
-            <a:fld id="{A0720209-B8CB-4A8B-9435-470092FB7171}" type="slidenum">
-              <a:rPr lang="de-DE" smtClean="0"/>
-              <a:t>13</a:t>
-            </a:fld>
-            <a:endParaRPr lang="de-DE"/>
-          </a:p>
-        </p:txBody>
-      </p:sp>
-    </p:spTree>
-    <p:extLst>
-      <p:ext uri="{BB962C8B-B14F-4D97-AF65-F5344CB8AC3E}">
-        <p14:creationId xmlns:p14="http://schemas.microsoft.com/office/powerpoint/2010/main" val="839584382"/>
-      </p:ext>
-    </p:extLst>
-  </p:cSld>
-  <p:clrMapOvr>
-    <a:masterClrMapping/>
-  </p:clrMapOvr>
-</p:notes>
-</file>
-
-<file path=ppt/notesSlides/notesSlide13.xml><?xml version="1.0" encoding="utf-8"?>
-<p:notes xmlns:a="http://schemas.openxmlformats.org/drawingml/2006/main" xmlns:r="http://schemas.openxmlformats.org/officeDocument/2006/relationships" xmlns:p="http://schemas.openxmlformats.org/presentationml/2006/main">
-  <p:cSld>
-    <p:spTree>
-      <p:nvGrpSpPr>
-        <p:cNvPr id="1" name=""/>
-        <p:cNvGrpSpPr/>
-        <p:nvPr/>
-      </p:nvGrpSpPr>
-      <p:grpSpPr>
-        <a:xfrm>
-          <a:off x="0" y="0"/>
-          <a:ext cx="0" cy="0"/>
-          <a:chOff x="0" y="0"/>
-          <a:chExt cx="0" cy="0"/>
-        </a:xfrm>
-      </p:grpSpPr>
-      <p:sp>
-        <p:nvSpPr>
-          <p:cNvPr id="2" name="Folienbildplatzhalter 1"/>
-          <p:cNvSpPr>
-            <a:spLocks noGrp="1" noRot="1" noChangeAspect="1"/>
-          </p:cNvSpPr>
-          <p:nvPr>
-            <p:ph type="sldImg"/>
-          </p:nvPr>
-        </p:nvSpPr>
-        <p:spPr/>
-      </p:sp>
-      <p:sp>
-        <p:nvSpPr>
-          <p:cNvPr id="3" name="Notizenplatzhalter 2"/>
-          <p:cNvSpPr>
-            <a:spLocks noGrp="1"/>
-          </p:cNvSpPr>
-          <p:nvPr>
-            <p:ph type="body" idx="1"/>
-          </p:nvPr>
-        </p:nvSpPr>
-        <p:spPr/>
-        <p:txBody>
-          <a:bodyPr/>
-          <a:lstStyle/>
-          <a:p>
-            <a:r>
-              <a:rPr lang="de-DE" dirty="0" smtClean="0"/>
-              <a:t>jetzt </a:t>
-            </a:r>
-            <a:r>
-              <a:rPr lang="de-DE" dirty="0" err="1" smtClean="0"/>
-              <a:t>hotfix</a:t>
-            </a:r>
-            <a:r>
-              <a:rPr lang="de-DE" dirty="0" smtClean="0"/>
-              <a:t> nötig: </a:t>
-            </a:r>
-            <a:r>
-              <a:rPr lang="de-DE" dirty="0" err="1" smtClean="0"/>
-              <a:t>aktues</a:t>
-            </a:r>
-            <a:r>
-              <a:rPr lang="de-DE" dirty="0" smtClean="0"/>
-              <a:t> Problem</a:t>
-            </a:r>
-          </a:p>
-          <a:p>
-            <a:r>
-              <a:rPr lang="de-DE" dirty="0" smtClean="0"/>
-              <a:t>neuen</a:t>
-            </a:r>
-            <a:r>
-              <a:rPr lang="de-DE" baseline="0" dirty="0" smtClean="0"/>
-              <a:t> Hotfix </a:t>
-            </a:r>
-            <a:r>
-              <a:rPr lang="de-DE" baseline="0" dirty="0" err="1" smtClean="0"/>
-              <a:t>branch</a:t>
-            </a:r>
-            <a:r>
-              <a:rPr lang="de-DE" baseline="0" dirty="0" smtClean="0"/>
-              <a:t> und hier Änderung &amp; </a:t>
-            </a:r>
-            <a:r>
-              <a:rPr lang="de-DE" baseline="0" dirty="0" err="1" smtClean="0"/>
-              <a:t>commit</a:t>
-            </a:r>
-            <a:endParaRPr lang="de-DE" baseline="0" dirty="0" smtClean="0"/>
-          </a:p>
-        </p:txBody>
-      </p:sp>
-      <p:sp>
-        <p:nvSpPr>
-          <p:cNvPr id="4" name="Foliennummernplatzhalter 3"/>
-          <p:cNvSpPr>
-            <a:spLocks noGrp="1"/>
-          </p:cNvSpPr>
-          <p:nvPr>
-            <p:ph type="sldNum" sz="quarter" idx="10"/>
-          </p:nvPr>
-        </p:nvSpPr>
-        <p:spPr/>
-        <p:txBody>
-          <a:bodyPr/>
-          <a:lstStyle/>
-          <a:p>
-            <a:fld id="{A0720209-B8CB-4A8B-9435-470092FB7171}" type="slidenum">
-              <a:rPr lang="de-DE" smtClean="0"/>
-              <a:t>14</a:t>
-            </a:fld>
-            <a:endParaRPr lang="de-DE"/>
-          </a:p>
-        </p:txBody>
-      </p:sp>
-    </p:spTree>
-    <p:extLst>
-      <p:ext uri="{BB962C8B-B14F-4D97-AF65-F5344CB8AC3E}">
-        <p14:creationId xmlns:p14="http://schemas.microsoft.com/office/powerpoint/2010/main" val="839584382"/>
-      </p:ext>
-    </p:extLst>
-  </p:cSld>
-  <p:clrMapOvr>
-    <a:masterClrMapping/>
-  </p:clrMapOvr>
-</p:notes>
-</file>
-
-<file path=ppt/notesSlides/notesSlide14.xml><?xml version="1.0" encoding="utf-8"?>
-<p:notes xmlns:a="http://schemas.openxmlformats.org/drawingml/2006/main" xmlns:r="http://schemas.openxmlformats.org/officeDocument/2006/relationships" xmlns:p="http://schemas.openxmlformats.org/presentationml/2006/main">
-  <p:cSld>
-    <p:spTree>
-      <p:nvGrpSpPr>
-        <p:cNvPr id="1" name=""/>
-        <p:cNvGrpSpPr/>
-        <p:nvPr/>
-      </p:nvGrpSpPr>
-      <p:grpSpPr>
-        <a:xfrm>
-          <a:off x="0" y="0"/>
-          <a:ext cx="0" cy="0"/>
-          <a:chOff x="0" y="0"/>
-          <a:chExt cx="0" cy="0"/>
-        </a:xfrm>
-      </p:grpSpPr>
-      <p:sp>
-        <p:nvSpPr>
-          <p:cNvPr id="2" name="Folienbildplatzhalter 1"/>
-          <p:cNvSpPr>
-            <a:spLocks noGrp="1" noRot="1" noChangeAspect="1"/>
-          </p:cNvSpPr>
-          <p:nvPr>
-            <p:ph type="sldImg"/>
-          </p:nvPr>
-        </p:nvSpPr>
-        <p:spPr/>
-      </p:sp>
-      <p:sp>
-        <p:nvSpPr>
-          <p:cNvPr id="3" name="Notizenplatzhalter 2"/>
-          <p:cNvSpPr>
-            <a:spLocks noGrp="1"/>
-          </p:cNvSpPr>
-          <p:nvPr>
-            <p:ph type="body" idx="1"/>
-          </p:nvPr>
-        </p:nvSpPr>
-        <p:spPr/>
-        <p:txBody>
-          <a:bodyPr/>
-          <a:lstStyle/>
-          <a:p>
-            <a:r>
-              <a:rPr lang="de-DE" dirty="0" smtClean="0"/>
-              <a:t>jetzt </a:t>
-            </a:r>
-            <a:r>
-              <a:rPr lang="de-DE" dirty="0" err="1" smtClean="0"/>
-              <a:t>master</a:t>
-            </a:r>
-            <a:r>
-              <a:rPr lang="de-DE" baseline="0" dirty="0" smtClean="0"/>
-              <a:t> „fast </a:t>
-            </a:r>
-            <a:r>
-              <a:rPr lang="de-DE" baseline="0" dirty="0" err="1" smtClean="0"/>
-              <a:t>forwarden</a:t>
-            </a:r>
-            <a:r>
-              <a:rPr lang="de-DE" baseline="0" dirty="0" smtClean="0"/>
-              <a:t>“</a:t>
-            </a:r>
-          </a:p>
-          <a:p>
-            <a:endParaRPr lang="de-DE" baseline="0" dirty="0" smtClean="0"/>
-          </a:p>
-          <a:p>
-            <a:r>
-              <a:rPr lang="de-DE" baseline="0" dirty="0" smtClean="0"/>
-              <a:t>also erst auf </a:t>
-            </a:r>
-            <a:r>
-              <a:rPr lang="de-DE" baseline="0" dirty="0" err="1" smtClean="0"/>
-              <a:t>master</a:t>
-            </a:r>
-            <a:r>
-              <a:rPr lang="de-DE" baseline="0" dirty="0" smtClean="0"/>
-              <a:t> </a:t>
-            </a:r>
-            <a:r>
-              <a:rPr lang="de-DE" baseline="0" dirty="0" err="1" smtClean="0"/>
-              <a:t>branch</a:t>
-            </a:r>
-            <a:r>
-              <a:rPr lang="de-DE" baseline="0" dirty="0" smtClean="0"/>
-              <a:t> wechseln, und dann die Änderungen von </a:t>
-            </a:r>
-            <a:r>
-              <a:rPr lang="de-DE" baseline="0" dirty="0" err="1" smtClean="0"/>
-              <a:t>hotfix</a:t>
-            </a:r>
-            <a:r>
-              <a:rPr lang="de-DE" baseline="0" dirty="0" smtClean="0"/>
-              <a:t> hinein „</a:t>
-            </a:r>
-            <a:r>
-              <a:rPr lang="de-DE" baseline="0" dirty="0" err="1" smtClean="0"/>
-              <a:t>mergen</a:t>
-            </a:r>
-            <a:r>
-              <a:rPr lang="de-DE" baseline="0" dirty="0" smtClean="0"/>
-              <a:t>“</a:t>
-            </a:r>
-          </a:p>
-        </p:txBody>
-      </p:sp>
-      <p:sp>
-        <p:nvSpPr>
-          <p:cNvPr id="4" name="Foliennummernplatzhalter 3"/>
-          <p:cNvSpPr>
-            <a:spLocks noGrp="1"/>
-          </p:cNvSpPr>
-          <p:nvPr>
-            <p:ph type="sldNum" sz="quarter" idx="10"/>
-          </p:nvPr>
-        </p:nvSpPr>
-        <p:spPr/>
-        <p:txBody>
-          <a:bodyPr/>
-          <a:lstStyle/>
-          <a:p>
-            <a:fld id="{A0720209-B8CB-4A8B-9435-470092FB7171}" type="slidenum">
-              <a:rPr lang="de-DE" smtClean="0"/>
-              <a:t>15</a:t>
-            </a:fld>
-            <a:endParaRPr lang="de-DE"/>
-          </a:p>
-        </p:txBody>
-      </p:sp>
-    </p:spTree>
-    <p:extLst>
-      <p:ext uri="{BB962C8B-B14F-4D97-AF65-F5344CB8AC3E}">
-        <p14:creationId xmlns:p14="http://schemas.microsoft.com/office/powerpoint/2010/main" val="839584382"/>
-      </p:ext>
-    </p:extLst>
-  </p:cSld>
-  <p:clrMapOvr>
-    <a:masterClrMapping/>
-  </p:clrMapOvr>
-</p:notes>
-</file>
-
-<file path=ppt/notesSlides/notesSlide15.xml><?xml version="1.0" encoding="utf-8"?>
-<p:notes xmlns:a="http://schemas.openxmlformats.org/drawingml/2006/main" xmlns:r="http://schemas.openxmlformats.org/officeDocument/2006/relationships" xmlns:p="http://schemas.openxmlformats.org/presentationml/2006/main">
-  <p:cSld>
-    <p:spTree>
-      <p:nvGrpSpPr>
-        <p:cNvPr id="1" name=""/>
-        <p:cNvGrpSpPr/>
-        <p:nvPr/>
-      </p:nvGrpSpPr>
-      <p:grpSpPr>
-        <a:xfrm>
-          <a:off x="0" y="0"/>
-          <a:ext cx="0" cy="0"/>
-          <a:chOff x="0" y="0"/>
-          <a:chExt cx="0" cy="0"/>
-        </a:xfrm>
-      </p:grpSpPr>
-      <p:sp>
-        <p:nvSpPr>
-          <p:cNvPr id="2" name="Folienbildplatzhalter 1"/>
-          <p:cNvSpPr>
-            <a:spLocks noGrp="1" noRot="1" noChangeAspect="1"/>
-          </p:cNvSpPr>
-          <p:nvPr>
-            <p:ph type="sldImg"/>
-          </p:nvPr>
-        </p:nvSpPr>
-        <p:spPr/>
-      </p:sp>
-      <p:sp>
-        <p:nvSpPr>
-          <p:cNvPr id="3" name="Notizenplatzhalter 2"/>
-          <p:cNvSpPr>
-            <a:spLocks noGrp="1"/>
-          </p:cNvSpPr>
-          <p:nvPr>
-            <p:ph type="body" idx="1"/>
-          </p:nvPr>
-        </p:nvSpPr>
-        <p:spPr/>
-        <p:txBody>
-          <a:bodyPr/>
-          <a:lstStyle/>
-          <a:p>
-            <a:r>
-              <a:rPr lang="de-DE" dirty="0" err="1" smtClean="0"/>
-              <a:t>hotfix</a:t>
-            </a:r>
-            <a:r>
-              <a:rPr lang="de-DE" dirty="0" smtClean="0"/>
-              <a:t> Zweig löschen, da nicht mehr benötigt</a:t>
-            </a:r>
-          </a:p>
-          <a:p>
-            <a:endParaRPr lang="de-DE" dirty="0" smtClean="0"/>
-          </a:p>
-          <a:p>
-            <a:r>
-              <a:rPr lang="de-DE" dirty="0" smtClean="0"/>
-              <a:t>weiterarbeiten in iss53</a:t>
-            </a:r>
-            <a:endParaRPr lang="de-DE" dirty="0"/>
-          </a:p>
-        </p:txBody>
-      </p:sp>
-      <p:sp>
-        <p:nvSpPr>
-          <p:cNvPr id="4" name="Foliennummernplatzhalter 3"/>
-          <p:cNvSpPr>
-            <a:spLocks noGrp="1"/>
-          </p:cNvSpPr>
-          <p:nvPr>
-            <p:ph type="sldNum" sz="quarter" idx="10"/>
-          </p:nvPr>
-        </p:nvSpPr>
-        <p:spPr/>
-        <p:txBody>
-          <a:bodyPr/>
-          <a:lstStyle/>
-          <a:p>
-            <a:fld id="{A0720209-B8CB-4A8B-9435-470092FB7171}" type="slidenum">
-              <a:rPr lang="de-DE" smtClean="0"/>
-              <a:t>16</a:t>
-            </a:fld>
-            <a:endParaRPr lang="de-DE"/>
-          </a:p>
-        </p:txBody>
-      </p:sp>
-    </p:spTree>
-    <p:extLst>
-      <p:ext uri="{BB962C8B-B14F-4D97-AF65-F5344CB8AC3E}">
-        <p14:creationId xmlns:p14="http://schemas.microsoft.com/office/powerpoint/2010/main" val="839584382"/>
-      </p:ext>
-    </p:extLst>
-  </p:cSld>
-  <p:clrMapOvr>
-    <a:masterClrMapping/>
-  </p:clrMapOvr>
-</p:notes>
-</file>
-
-<file path=ppt/notesSlides/notesSlide16.xml><?xml version="1.0" encoding="utf-8"?>
-<p:notes xmlns:a="http://schemas.openxmlformats.org/drawingml/2006/main" xmlns:r="http://schemas.openxmlformats.org/officeDocument/2006/relationships" xmlns:p="http://schemas.openxmlformats.org/presentationml/2006/main">
-  <p:cSld>
-    <p:spTree>
-      <p:nvGrpSpPr>
-        <p:cNvPr id="1" name=""/>
-        <p:cNvGrpSpPr/>
-        <p:nvPr/>
-      </p:nvGrpSpPr>
-      <p:grpSpPr>
-        <a:xfrm>
-          <a:off x="0" y="0"/>
-          <a:ext cx="0" cy="0"/>
-          <a:chOff x="0" y="0"/>
-          <a:chExt cx="0" cy="0"/>
-        </a:xfrm>
-      </p:grpSpPr>
-      <p:sp>
-        <p:nvSpPr>
-          <p:cNvPr id="2" name="Folienbildplatzhalter 1"/>
-          <p:cNvSpPr>
-            <a:spLocks noGrp="1" noRot="1" noChangeAspect="1"/>
-          </p:cNvSpPr>
-          <p:nvPr>
-            <p:ph type="sldImg"/>
-          </p:nvPr>
-        </p:nvSpPr>
-        <p:spPr/>
-      </p:sp>
-      <p:sp>
-        <p:nvSpPr>
-          <p:cNvPr id="3" name="Notizenplatzhalter 2"/>
-          <p:cNvSpPr>
-            <a:spLocks noGrp="1"/>
-          </p:cNvSpPr>
-          <p:nvPr>
-            <p:ph type="body" idx="1"/>
-          </p:nvPr>
-        </p:nvSpPr>
-        <p:spPr/>
-        <p:txBody>
-          <a:bodyPr/>
-          <a:lstStyle/>
-          <a:p>
-            <a:r>
-              <a:rPr lang="de-DE" dirty="0" smtClean="0"/>
-              <a:t>jetzt Änderungen von iss53 in </a:t>
-            </a:r>
-            <a:r>
-              <a:rPr lang="de-DE" dirty="0" err="1" smtClean="0"/>
-              <a:t>master</a:t>
-            </a:r>
-            <a:r>
-              <a:rPr lang="de-DE" dirty="0" smtClean="0"/>
-              <a:t> Zweig:</a:t>
-            </a:r>
-          </a:p>
-          <a:p>
-            <a:r>
-              <a:rPr lang="de-DE" dirty="0" smtClean="0"/>
-              <a:t>3-Punkt-merge</a:t>
-            </a:r>
-          </a:p>
-          <a:p>
-            <a:endParaRPr lang="de-DE" dirty="0" smtClean="0"/>
-          </a:p>
-          <a:p>
-            <a:r>
-              <a:rPr lang="de-DE" dirty="0" smtClean="0"/>
-              <a:t>über erstes</a:t>
-            </a:r>
-            <a:r>
-              <a:rPr lang="de-DE" baseline="0" dirty="0" smtClean="0"/>
-              <a:t> gemeinsames Commit in Versionsgeschichte</a:t>
-            </a:r>
-            <a:endParaRPr lang="de-DE" dirty="0"/>
-          </a:p>
-        </p:txBody>
-      </p:sp>
-      <p:sp>
-        <p:nvSpPr>
-          <p:cNvPr id="4" name="Foliennummernplatzhalter 3"/>
-          <p:cNvSpPr>
-            <a:spLocks noGrp="1"/>
-          </p:cNvSpPr>
-          <p:nvPr>
-            <p:ph type="sldNum" sz="quarter" idx="10"/>
-          </p:nvPr>
-        </p:nvSpPr>
-        <p:spPr/>
-        <p:txBody>
-          <a:bodyPr/>
-          <a:lstStyle/>
-          <a:p>
-            <a:fld id="{A0720209-B8CB-4A8B-9435-470092FB7171}" type="slidenum">
-              <a:rPr lang="de-DE" smtClean="0"/>
-              <a:t>17</a:t>
-            </a:fld>
-            <a:endParaRPr lang="de-DE"/>
-          </a:p>
-        </p:txBody>
-      </p:sp>
-    </p:spTree>
-    <p:extLst>
-      <p:ext uri="{BB962C8B-B14F-4D97-AF65-F5344CB8AC3E}">
-        <p14:creationId xmlns:p14="http://schemas.microsoft.com/office/powerpoint/2010/main" val="839584382"/>
-      </p:ext>
-    </p:extLst>
-  </p:cSld>
-  <p:clrMapOvr>
-    <a:masterClrMapping/>
-  </p:clrMapOvr>
-</p:notes>
-</file>
-
-<file path=ppt/notesSlides/notesSlide17.xml><?xml version="1.0" encoding="utf-8"?>
-<p:notes xmlns:a="http://schemas.openxmlformats.org/drawingml/2006/main" xmlns:r="http://schemas.openxmlformats.org/officeDocument/2006/relationships" xmlns:p="http://schemas.openxmlformats.org/presentationml/2006/main">
-  <p:cSld>
-    <p:spTree>
-      <p:nvGrpSpPr>
-        <p:cNvPr id="1" name=""/>
-        <p:cNvGrpSpPr/>
-        <p:nvPr/>
-      </p:nvGrpSpPr>
-      <p:grpSpPr>
-        <a:xfrm>
-          <a:off x="0" y="0"/>
-          <a:ext cx="0" cy="0"/>
-          <a:chOff x="0" y="0"/>
-          <a:chExt cx="0" cy="0"/>
-        </a:xfrm>
-      </p:grpSpPr>
-      <p:sp>
-        <p:nvSpPr>
-          <p:cNvPr id="2" name="Folienbildplatzhalter 1"/>
-          <p:cNvSpPr>
-            <a:spLocks noGrp="1" noRot="1" noChangeAspect="1"/>
-          </p:cNvSpPr>
-          <p:nvPr>
-            <p:ph type="sldImg"/>
-          </p:nvPr>
-        </p:nvSpPr>
-        <p:spPr/>
-      </p:sp>
-      <p:sp>
-        <p:nvSpPr>
-          <p:cNvPr id="3" name="Notizenplatzhalter 2"/>
-          <p:cNvSpPr>
-            <a:spLocks noGrp="1"/>
-          </p:cNvSpPr>
-          <p:nvPr>
-            <p:ph type="body" idx="1"/>
-          </p:nvPr>
-        </p:nvSpPr>
-        <p:spPr/>
-        <p:txBody>
-          <a:bodyPr/>
-          <a:lstStyle/>
-          <a:p>
-            <a:r>
-              <a:rPr lang="de-DE" dirty="0" smtClean="0"/>
-              <a:t>neues </a:t>
-            </a:r>
-            <a:r>
-              <a:rPr lang="de-DE" dirty="0" err="1" smtClean="0"/>
-              <a:t>commit</a:t>
-            </a:r>
-            <a:r>
-              <a:rPr lang="de-DE" dirty="0" smtClean="0"/>
-              <a:t> automatisch generiert, mit zwei Vorgänger-</a:t>
-            </a:r>
-            <a:r>
-              <a:rPr lang="de-DE" dirty="0" err="1" smtClean="0"/>
-              <a:t>Commits</a:t>
-            </a:r>
-            <a:endParaRPr lang="de-DE" dirty="0"/>
-          </a:p>
-        </p:txBody>
-      </p:sp>
-      <p:sp>
-        <p:nvSpPr>
-          <p:cNvPr id="4" name="Foliennummernplatzhalter 3"/>
-          <p:cNvSpPr>
-            <a:spLocks noGrp="1"/>
-          </p:cNvSpPr>
-          <p:nvPr>
-            <p:ph type="sldNum" sz="quarter" idx="10"/>
-          </p:nvPr>
-        </p:nvSpPr>
-        <p:spPr/>
-        <p:txBody>
-          <a:bodyPr/>
-          <a:lstStyle/>
-          <a:p>
-            <a:fld id="{A0720209-B8CB-4A8B-9435-470092FB7171}" type="slidenum">
-              <a:rPr lang="de-DE" smtClean="0"/>
-              <a:t>18</a:t>
-            </a:fld>
-            <a:endParaRPr lang="de-DE"/>
-          </a:p>
-        </p:txBody>
-      </p:sp>
-    </p:spTree>
-    <p:extLst>
-      <p:ext uri="{BB962C8B-B14F-4D97-AF65-F5344CB8AC3E}">
-        <p14:creationId xmlns:p14="http://schemas.microsoft.com/office/powerpoint/2010/main" val="839584382"/>
-      </p:ext>
-    </p:extLst>
-  </p:cSld>
-  <p:clrMapOvr>
-    <a:masterClrMapping/>
-  </p:clrMapOvr>
-</p:notes>
-</file>
-
-<file path=ppt/notesSlides/notesSlide18.xml><?xml version="1.0" encoding="utf-8"?>
-<p:notes xmlns:a="http://schemas.openxmlformats.org/drawingml/2006/main" xmlns:r="http://schemas.openxmlformats.org/officeDocument/2006/relationships" xmlns:p="http://schemas.openxmlformats.org/presentationml/2006/main">
-  <p:cSld>
-    <p:spTree>
-      <p:nvGrpSpPr>
-        <p:cNvPr id="1" name=""/>
-        <p:cNvGrpSpPr/>
-        <p:nvPr/>
-      </p:nvGrpSpPr>
-      <p:grpSpPr>
-        <a:xfrm>
-          <a:off x="0" y="0"/>
-          <a:ext cx="0" cy="0"/>
-          <a:chOff x="0" y="0"/>
-          <a:chExt cx="0" cy="0"/>
-        </a:xfrm>
-      </p:grpSpPr>
-      <p:sp>
-        <p:nvSpPr>
-          <p:cNvPr id="2" name="Folienbildplatzhalter 1"/>
-          <p:cNvSpPr>
-            <a:spLocks noGrp="1" noRot="1" noChangeAspect="1"/>
-          </p:cNvSpPr>
-          <p:nvPr>
-            <p:ph type="sldImg"/>
-          </p:nvPr>
-        </p:nvSpPr>
-        <p:spPr/>
-      </p:sp>
-      <p:sp>
-        <p:nvSpPr>
-          <p:cNvPr id="3" name="Notizenplatzhalter 2"/>
-          <p:cNvSpPr>
-            <a:spLocks noGrp="1"/>
-          </p:cNvSpPr>
-          <p:nvPr>
-            <p:ph type="body" idx="1"/>
-          </p:nvPr>
-        </p:nvSpPr>
-        <p:spPr/>
-        <p:txBody>
-          <a:bodyPr/>
-          <a:lstStyle/>
-          <a:p>
-            <a:r>
-              <a:rPr lang="de-DE" dirty="0" smtClean="0"/>
-              <a:t>remote </a:t>
-            </a:r>
-            <a:r>
-              <a:rPr lang="de-DE" dirty="0" err="1" smtClean="0"/>
-              <a:t>branches</a:t>
-            </a:r>
-            <a:r>
-              <a:rPr lang="de-DE" dirty="0" smtClean="0"/>
-              <a:t> (von</a:t>
-            </a:r>
-            <a:r>
-              <a:rPr lang="de-DE" baseline="0" dirty="0" smtClean="0"/>
-              <a:t> entfernten </a:t>
-            </a:r>
-            <a:r>
-              <a:rPr lang="de-DE" baseline="0" dirty="0" err="1" smtClean="0"/>
-              <a:t>repositories</a:t>
-            </a:r>
-            <a:r>
-              <a:rPr lang="de-DE" baseline="0" dirty="0" smtClean="0"/>
-              <a:t>) werden auch gespeichert</a:t>
-            </a:r>
-          </a:p>
-          <a:p>
-            <a:endParaRPr lang="de-DE" baseline="0" dirty="0" smtClean="0"/>
-          </a:p>
-          <a:p>
-            <a:r>
-              <a:rPr lang="de-DE" baseline="0" dirty="0" smtClean="0"/>
-              <a:t>nur diese können </a:t>
-            </a:r>
-            <a:r>
-              <a:rPr lang="de-DE" baseline="0" dirty="0" err="1" smtClean="0"/>
-              <a:t>Branches</a:t>
-            </a:r>
-            <a:r>
-              <a:rPr lang="de-DE" baseline="0" dirty="0" smtClean="0"/>
-              <a:t> können wieder auf </a:t>
-            </a:r>
-            <a:r>
-              <a:rPr lang="de-DE" baseline="0" dirty="0" err="1" smtClean="0"/>
-              <a:t>repository</a:t>
-            </a:r>
-            <a:r>
-              <a:rPr lang="de-DE" baseline="0" dirty="0" smtClean="0"/>
-              <a:t> zurück gespielt werden</a:t>
-            </a:r>
-          </a:p>
-          <a:p>
-            <a:r>
-              <a:rPr lang="de-DE" baseline="0" dirty="0" smtClean="0"/>
-              <a:t>also alle Änderungen in remote </a:t>
-            </a:r>
-            <a:r>
-              <a:rPr lang="de-DE" baseline="0" dirty="0" err="1" smtClean="0"/>
-              <a:t>branches</a:t>
-            </a:r>
-            <a:r>
-              <a:rPr lang="de-DE" baseline="0" dirty="0" smtClean="0"/>
-              <a:t> rein-</a:t>
-            </a:r>
-            <a:r>
-              <a:rPr lang="de-DE" baseline="0" dirty="0" err="1" smtClean="0"/>
-              <a:t>mergen</a:t>
-            </a:r>
-            <a:endParaRPr lang="de-DE" baseline="0" dirty="0" smtClean="0"/>
-          </a:p>
-        </p:txBody>
-      </p:sp>
-      <p:sp>
-        <p:nvSpPr>
-          <p:cNvPr id="4" name="Foliennummernplatzhalter 3"/>
-          <p:cNvSpPr>
-            <a:spLocks noGrp="1"/>
-          </p:cNvSpPr>
-          <p:nvPr>
-            <p:ph type="sldNum" sz="quarter" idx="10"/>
-          </p:nvPr>
-        </p:nvSpPr>
-        <p:spPr/>
-        <p:txBody>
-          <a:bodyPr/>
-          <a:lstStyle/>
-          <a:p>
-            <a:fld id="{A0720209-B8CB-4A8B-9435-470092FB7171}" type="slidenum">
-              <a:rPr lang="de-DE" smtClean="0"/>
-              <a:t>20</a:t>
-            </a:fld>
-            <a:endParaRPr lang="de-DE"/>
-          </a:p>
-        </p:txBody>
-      </p:sp>
-    </p:spTree>
-    <p:extLst>
-      <p:ext uri="{BB962C8B-B14F-4D97-AF65-F5344CB8AC3E}">
-        <p14:creationId xmlns:p14="http://schemas.microsoft.com/office/powerpoint/2010/main" val="504336874"/>
-      </p:ext>
-    </p:extLst>
-  </p:cSld>
-  <p:clrMapOvr>
-    <a:masterClrMapping/>
-  </p:clrMapOvr>
-</p:notes>
-</file>
-
-<file path=ppt/notesSlides/notesSlide19.xml><?xml version="1.0" encoding="utf-8"?>
-<p:notes xmlns:a="http://schemas.openxmlformats.org/drawingml/2006/main" xmlns:r="http://schemas.openxmlformats.org/officeDocument/2006/relationships" xmlns:p="http://schemas.openxmlformats.org/presentationml/2006/main">
-  <p:cSld>
-    <p:spTree>
-      <p:nvGrpSpPr>
-        <p:cNvPr id="1" name=""/>
-        <p:cNvGrpSpPr/>
-        <p:nvPr/>
-      </p:nvGrpSpPr>
-      <p:grpSpPr>
-        <a:xfrm>
-          <a:off x="0" y="0"/>
-          <a:ext cx="0" cy="0"/>
-          <a:chOff x="0" y="0"/>
-          <a:chExt cx="0" cy="0"/>
-        </a:xfrm>
-      </p:grpSpPr>
-      <p:sp>
-        <p:nvSpPr>
-          <p:cNvPr id="2" name="Folienbildplatzhalter 1"/>
-          <p:cNvSpPr>
-            <a:spLocks noGrp="1" noRot="1" noChangeAspect="1"/>
-          </p:cNvSpPr>
-          <p:nvPr>
-            <p:ph type="sldImg"/>
-          </p:nvPr>
-        </p:nvSpPr>
-        <p:spPr/>
-      </p:sp>
-      <p:sp>
-        <p:nvSpPr>
-          <p:cNvPr id="3" name="Notizenplatzhalter 2"/>
-          <p:cNvSpPr>
-            <a:spLocks noGrp="1"/>
-          </p:cNvSpPr>
-          <p:nvPr>
-            <p:ph type="body" idx="1"/>
-          </p:nvPr>
-        </p:nvSpPr>
-        <p:spPr/>
-        <p:txBody>
-          <a:bodyPr/>
-          <a:lstStyle/>
-          <a:p>
-            <a:r>
-              <a:rPr lang="de-DE" dirty="0" smtClean="0"/>
-              <a:t>zentralisiert: zentrales Repository</a:t>
-            </a:r>
-            <a:r>
-              <a:rPr lang="de-DE" baseline="0" dirty="0" smtClean="0"/>
-              <a:t> enthält funktionierenden Main-</a:t>
-            </a:r>
-            <a:r>
-              <a:rPr lang="de-DE" baseline="0" dirty="0" err="1" smtClean="0"/>
-              <a:t>branch</a:t>
-            </a:r>
-            <a:endParaRPr lang="de-DE" baseline="0" dirty="0" smtClean="0"/>
-          </a:p>
-          <a:p>
-            <a:r>
-              <a:rPr lang="de-DE" baseline="0" dirty="0" smtClean="0"/>
-              <a:t>lokal entwickeln, dann funktionierende Änderungen in </a:t>
-            </a:r>
-            <a:r>
-              <a:rPr lang="de-DE" baseline="0" dirty="0" err="1" smtClean="0"/>
-              <a:t>main</a:t>
-            </a:r>
-            <a:r>
-              <a:rPr lang="de-DE" baseline="0" dirty="0" smtClean="0"/>
-              <a:t> </a:t>
-            </a:r>
-            <a:r>
-              <a:rPr lang="de-DE" baseline="0" dirty="0" err="1" smtClean="0"/>
-              <a:t>mergen</a:t>
-            </a:r>
-            <a:r>
-              <a:rPr lang="de-DE" baseline="0" dirty="0" smtClean="0"/>
-              <a:t> und auf Server pushen</a:t>
-            </a:r>
-          </a:p>
-          <a:p>
-            <a:endParaRPr lang="de-DE" baseline="0" dirty="0" smtClean="0"/>
-          </a:p>
-          <a:p>
-            <a:pPr marL="171450" indent="-171450">
-              <a:buFont typeface="Arial" pitchFamily="34" charset="0"/>
-              <a:buChar char="•"/>
-            </a:pPr>
-            <a:r>
-              <a:rPr lang="de-DE" baseline="0" dirty="0" smtClean="0"/>
-              <a:t>Repository klonen -&gt; alles lokal</a:t>
-            </a:r>
-          </a:p>
-          <a:p>
-            <a:pPr marL="171450" indent="-171450">
-              <a:buFont typeface="Arial" pitchFamily="34" charset="0"/>
-              <a:buChar char="•"/>
-            </a:pPr>
-            <a:r>
-              <a:rPr lang="de-DE" dirty="0" smtClean="0"/>
-              <a:t>Änderungen durchführen und </a:t>
-            </a:r>
-            <a:r>
-              <a:rPr lang="de-DE" dirty="0" err="1" smtClean="0"/>
-              <a:t>commiten</a:t>
-            </a:r>
-            <a:endParaRPr lang="de-DE" dirty="0" smtClean="0"/>
-          </a:p>
-          <a:p>
-            <a:pPr marL="171450" indent="-171450">
-              <a:buFont typeface="Arial" pitchFamily="34" charset="0"/>
-              <a:buChar char="•"/>
-            </a:pPr>
-            <a:r>
-              <a:rPr lang="de-DE" dirty="0" smtClean="0"/>
-              <a:t>entfernten Zweig „</a:t>
-            </a:r>
-            <a:r>
-              <a:rPr lang="de-DE" dirty="0" err="1" smtClean="0"/>
-              <a:t>fetchen</a:t>
-            </a:r>
-            <a:r>
-              <a:rPr lang="de-DE" dirty="0" smtClean="0"/>
-              <a:t>“, um</a:t>
-            </a:r>
-            <a:r>
-              <a:rPr lang="de-DE" baseline="0" dirty="0" smtClean="0"/>
-              <a:t> aktuellsten Stand zu haben</a:t>
-            </a:r>
-          </a:p>
-          <a:p>
-            <a:pPr marL="171450" indent="-171450">
-              <a:buFont typeface="Arial" pitchFamily="34" charset="0"/>
-              <a:buChar char="•"/>
-            </a:pPr>
-            <a:r>
-              <a:rPr lang="de-DE" baseline="0" dirty="0" smtClean="0"/>
-              <a:t>eigene Änderungen in remote </a:t>
-            </a:r>
-            <a:r>
-              <a:rPr lang="de-DE" baseline="0" dirty="0" err="1" smtClean="0"/>
-              <a:t>branch</a:t>
-            </a:r>
-            <a:r>
-              <a:rPr lang="de-DE" baseline="0" dirty="0" smtClean="0"/>
-              <a:t> </a:t>
-            </a:r>
-            <a:r>
-              <a:rPr lang="de-DE" baseline="0" dirty="0" err="1" smtClean="0"/>
-              <a:t>mergen</a:t>
-            </a:r>
-            <a:endParaRPr lang="de-DE" baseline="0" dirty="0" smtClean="0"/>
-          </a:p>
-          <a:p>
-            <a:pPr marL="171450" indent="-171450">
-              <a:buFont typeface="Arial" pitchFamily="34" charset="0"/>
-              <a:buChar char="•"/>
-            </a:pPr>
-            <a:r>
-              <a:rPr lang="de-DE" baseline="0" dirty="0" smtClean="0"/>
-              <a:t>Änderungen auf </a:t>
-            </a:r>
-            <a:r>
-              <a:rPr lang="de-DE" baseline="0" smtClean="0"/>
-              <a:t>Servern pushen</a:t>
-            </a:r>
-            <a:endParaRPr lang="de-DE" dirty="0"/>
-          </a:p>
-        </p:txBody>
-      </p:sp>
-      <p:sp>
-        <p:nvSpPr>
-          <p:cNvPr id="4" name="Foliennummernplatzhalter 3"/>
-          <p:cNvSpPr>
-            <a:spLocks noGrp="1"/>
-          </p:cNvSpPr>
-          <p:nvPr>
-            <p:ph type="sldNum" sz="quarter" idx="10"/>
-          </p:nvPr>
-        </p:nvSpPr>
-        <p:spPr/>
-        <p:txBody>
-          <a:bodyPr/>
-          <a:lstStyle/>
-          <a:p>
-            <a:fld id="{A0720209-B8CB-4A8B-9435-470092FB7171}" type="slidenum">
-              <a:rPr lang="de-DE" smtClean="0"/>
-              <a:t>21</a:t>
-            </a:fld>
-            <a:endParaRPr lang="de-DE"/>
-          </a:p>
-        </p:txBody>
-      </p:sp>
-    </p:spTree>
-    <p:extLst>
-      <p:ext uri="{BB962C8B-B14F-4D97-AF65-F5344CB8AC3E}">
-        <p14:creationId xmlns:p14="http://schemas.microsoft.com/office/powerpoint/2010/main" val="275922648"/>
-      </p:ext>
-    </p:extLst>
-  </p:cSld>
-  <p:clrMapOvr>
-    <a:masterClrMapping/>
-  </p:clrMapOvr>
-</p:notes>
-</file>
-
 <file path=ppt/notesSlides/notesSlide2.xml><?xml version="1.0" encoding="utf-8"?>
 <p:notes xmlns:a="http://schemas.openxmlformats.org/drawingml/2006/main" xmlns:r="http://schemas.openxmlformats.org/officeDocument/2006/relationships" xmlns:p="http://schemas.openxmlformats.org/presentationml/2006/main">
   <p:cSld>
@@ -4652,39 +3421,27 @@
           <a:p>
             <a:r>
               <a:rPr lang="de-DE" dirty="0" smtClean="0"/>
-              <a:t>jeder</a:t>
+              <a:t>Version</a:t>
             </a:r>
             <a:r>
               <a:rPr lang="de-DE" baseline="0" dirty="0" smtClean="0"/>
-              <a:t> Client hat durch „</a:t>
+              <a:t> </a:t>
             </a:r>
             <a:r>
               <a:rPr lang="de-DE" baseline="0" dirty="0" err="1" smtClean="0"/>
-              <a:t>Checkout</a:t>
+              <a:t>database</a:t>
             </a:r>
             <a:r>
               <a:rPr lang="de-DE" baseline="0" dirty="0" smtClean="0"/>
-              <a:t>“ alle Dateien bei sich</a:t>
-            </a:r>
-          </a:p>
-          <a:p>
-            <a:pPr marL="171450" indent="-171450">
-              <a:buFont typeface="Arial" pitchFamily="34" charset="0"/>
-              <a:buChar char="•"/>
-            </a:pPr>
+              <a:t> = </a:t>
+            </a:r>
+            <a:r>
+              <a:rPr lang="de-DE" baseline="0" dirty="0" err="1" smtClean="0"/>
+              <a:t>repository</a:t>
+            </a:r>
             <a:r>
               <a:rPr lang="de-DE" baseline="0" dirty="0" smtClean="0"/>
-              <a:t>Sicherheit</a:t>
-            </a:r>
-          </a:p>
-          <a:p>
-            <a:pPr marL="171450" indent="-171450">
-              <a:buFont typeface="Arial" pitchFamily="34" charset="0"/>
-              <a:buChar char="•"/>
-            </a:pPr>
-            <a:r>
-              <a:rPr lang="de-DE" baseline="0" dirty="0" smtClean="0"/>
-              <a:t>schnelles Arbeiten, wie bei normalen lokalen Dateien</a:t>
+              <a:t> (nächste Seite)</a:t>
             </a:r>
             <a:endParaRPr lang="de-DE" dirty="0"/>
           </a:p>
@@ -4771,36 +3528,96 @@
           <a:lstStyle/>
           <a:p>
             <a:r>
+              <a:rPr lang="de-DE" b="1" dirty="0" smtClean="0"/>
+              <a:t>Working </a:t>
+            </a:r>
+            <a:r>
+              <a:rPr lang="de-DE" b="1" dirty="0" err="1" smtClean="0"/>
+              <a:t>directory</a:t>
+            </a:r>
+            <a:r>
+              <a:rPr lang="de-DE" b="1" dirty="0" smtClean="0"/>
+              <a:t>: </a:t>
+            </a:r>
+            <a:r>
               <a:rPr lang="de-DE" dirty="0" smtClean="0"/>
-              <a:t>Versionen, entstanden durch</a:t>
+              <a:t>ganz normaler Ordner mit Dateien,</a:t>
             </a:r>
             <a:r>
               <a:rPr lang="de-DE" baseline="0" dirty="0" smtClean="0"/>
-              <a:t> „</a:t>
+              <a:t> die bearbeitet werden</a:t>
+            </a:r>
+          </a:p>
+          <a:p>
+            <a:r>
+              <a:rPr lang="de-DE" b="1" baseline="0" dirty="0" smtClean="0"/>
+              <a:t>Repository: </a:t>
+            </a:r>
+            <a:r>
+              <a:rPr lang="de-DE" baseline="0" dirty="0" smtClean="0"/>
+              <a:t>großer Container zum Speichern</a:t>
+            </a:r>
+          </a:p>
+          <a:p>
+            <a:pPr marL="171450" indent="-171450">
+              <a:buFont typeface="Arial" pitchFamily="34" charset="0"/>
+              <a:buChar char="•"/>
+            </a:pPr>
+            <a:r>
+              <a:rPr lang="de-DE" baseline="0" dirty="0" smtClean="0"/>
+              <a:t>alle Versionen von sämtlichen Dateien</a:t>
+            </a:r>
+          </a:p>
+          <a:p>
+            <a:pPr marL="171450" indent="-171450">
+              <a:buFont typeface="Arial" pitchFamily="34" charset="0"/>
+              <a:buChar char="•"/>
+            </a:pPr>
+            <a:r>
+              <a:rPr lang="de-DE" baseline="0" dirty="0" smtClean="0"/>
+              <a:t>Zusätzliche Daten: </a:t>
             </a:r>
             <a:r>
               <a:rPr lang="de-DE" baseline="0" dirty="0" err="1" smtClean="0"/>
-              <a:t>commits</a:t>
+              <a:t>Branches</a:t>
             </a:r>
             <a:r>
               <a:rPr lang="de-DE" baseline="0" dirty="0" smtClean="0"/>
-              <a:t>“ = Festlegungen</a:t>
-            </a:r>
-          </a:p>
-          <a:p>
+              <a:t>, Tags etc.</a:t>
+            </a:r>
+          </a:p>
+          <a:p>
+            <a:pPr marL="171450" indent="-171450">
+              <a:buFont typeface="Arial" pitchFamily="34" charset="0"/>
+              <a:buChar char="•"/>
+            </a:pPr>
             <a:r>
               <a:rPr lang="de-DE" baseline="0" dirty="0" smtClean="0"/>
-              <a:t>alle vollständig wiederherstellbar</a:t>
-            </a:r>
-          </a:p>
-          <a:p>
-            <a:r>
-              <a:rPr lang="de-DE" baseline="0" dirty="0" smtClean="0"/>
-              <a:t>meist nicht alle Dateien geändert</a:t>
-            </a:r>
-          </a:p>
-          <a:p>
-            <a:endParaRPr lang="de-DE" dirty="0"/>
+              <a:t>Hat jeder auf seinem Rechner + meist ein zentrales</a:t>
+            </a:r>
+          </a:p>
+          <a:p>
+            <a:pPr marL="0" indent="0">
+              <a:buFont typeface="Arial" pitchFamily="34" charset="0"/>
+              <a:buNone/>
+            </a:pPr>
+            <a:r>
+              <a:rPr lang="de-DE" b="1" baseline="0" dirty="0" err="1" smtClean="0"/>
+              <a:t>Staging</a:t>
+            </a:r>
+            <a:r>
+              <a:rPr lang="de-DE" b="1" baseline="0" dirty="0" smtClean="0"/>
+              <a:t> Area</a:t>
+            </a:r>
+            <a:r>
+              <a:rPr lang="de-DE" sz="1600" b="1" baseline="0" dirty="0" smtClean="0"/>
+              <a:t>:</a:t>
+            </a:r>
+            <a:r>
+              <a:rPr lang="de-DE" sz="1600" b="0" baseline="0" dirty="0" smtClean="0"/>
+              <a:t> Änderungen, die festgehalten werden sollen</a:t>
+            </a:r>
+            <a:endParaRPr lang="de-DE" b="1" dirty="0"/>
           </a:p>
         </p:txBody>
       </p:sp>
@@ -4830,7 +3647,7 @@
     </p:spTree>
     <p:extLst>
       <p:ext uri="{BB962C8B-B14F-4D97-AF65-F5344CB8AC3E}">
-        <p14:creationId xmlns:p14="http://schemas.microsoft.com/office/powerpoint/2010/main" val="2670389287"/>
+        <p14:creationId xmlns:p14="http://schemas.microsoft.com/office/powerpoint/2010/main" val="2734555627"/>
       </p:ext>
     </p:extLst>
   </p:cSld>
@@ -4885,62 +3702,28 @@
           <a:lstStyle/>
           <a:p>
             <a:r>
-              <a:rPr lang="de-DE" dirty="0" err="1" smtClean="0"/>
-              <a:t>working</a:t>
-            </a:r>
-            <a:r>
-              <a:rPr lang="de-DE" dirty="0" smtClean="0"/>
-              <a:t> </a:t>
-            </a:r>
-            <a:r>
-              <a:rPr lang="de-DE" dirty="0" err="1" smtClean="0"/>
-              <a:t>directory</a:t>
-            </a:r>
-            <a:r>
-              <a:rPr lang="de-DE" dirty="0" smtClean="0"/>
-              <a:t>: Ordner, in dem man arbeitet (ganz normal)</a:t>
-            </a:r>
-            <a:r>
-              <a:rPr lang="de-DE" baseline="0" dirty="0" smtClean="0"/>
-              <a:t> – beinhaltet nur eine Version des kompletten Projekts</a:t>
-            </a:r>
-            <a:endParaRPr lang="de-DE" dirty="0" smtClean="0"/>
-          </a:p>
-          <a:p>
-            <a:r>
-              <a:rPr lang="de-DE" dirty="0" err="1" smtClean="0"/>
-              <a:t>staging</a:t>
-            </a:r>
-            <a:r>
-              <a:rPr lang="de-DE" baseline="0" dirty="0" smtClean="0"/>
-              <a:t> </a:t>
-            </a:r>
-            <a:r>
-              <a:rPr lang="de-DE" baseline="0" dirty="0" err="1" smtClean="0"/>
-              <a:t>area</a:t>
-            </a:r>
-            <a:r>
-              <a:rPr lang="de-DE" baseline="0" dirty="0" smtClean="0"/>
-              <a:t>: Liste von Dateien, deren aktueller Zustand beim nächsten </a:t>
-            </a:r>
-            <a:r>
-              <a:rPr lang="de-DE" baseline="0" dirty="0" err="1" smtClean="0"/>
-              <a:t>commit</a:t>
-            </a:r>
-            <a:r>
-              <a:rPr lang="de-DE" baseline="0" dirty="0" smtClean="0"/>
-              <a:t> festgehalten werden soll</a:t>
-            </a:r>
-          </a:p>
-          <a:p>
-            <a:r>
-              <a:rPr lang="de-DE" baseline="0" dirty="0" err="1" smtClean="0"/>
-              <a:t>repository</a:t>
-            </a:r>
-            <a:r>
-              <a:rPr lang="de-DE" baseline="0" dirty="0" smtClean="0"/>
-              <a:t>: Datenbank, die alle Versionen von allen hinzugefügten Dateien beinhaltet (Ablage)</a:t>
-            </a:r>
+              <a:rPr lang="de-DE" b="1" dirty="0" err="1" smtClean="0"/>
+              <a:t>Branch</a:t>
+            </a:r>
+            <a:r>
+              <a:rPr lang="de-DE" b="1" dirty="0" smtClean="0"/>
+              <a:t>:</a:t>
+            </a:r>
+            <a:r>
+              <a:rPr lang="de-DE" b="0" baseline="0" dirty="0" smtClean="0"/>
+              <a:t> Entwicklungszweig -&gt; sämtliche Dateien des Projekts in bestimmtem Zustand</a:t>
+            </a:r>
+          </a:p>
+          <a:p>
+            <a:r>
+              <a:rPr lang="de-DE" b="1" baseline="0" dirty="0" smtClean="0"/>
+              <a:t>Master: </a:t>
+            </a:r>
+            <a:r>
+              <a:rPr lang="de-DE" b="0" baseline="0" dirty="0" smtClean="0"/>
+              <a:t>Haupt-Zweig, alle Änderungen sollten früher oder später hier hinein</a:t>
+            </a:r>
+            <a:endParaRPr lang="de-DE" b="1" baseline="0" dirty="0" smtClean="0"/>
           </a:p>
         </p:txBody>
       </p:sp>
@@ -4970,7 +3753,7 @@
     </p:spTree>
     <p:extLst>
       <p:ext uri="{BB962C8B-B14F-4D97-AF65-F5344CB8AC3E}">
-        <p14:creationId xmlns:p14="http://schemas.microsoft.com/office/powerpoint/2010/main" val="3585994031"/>
+        <p14:creationId xmlns:p14="http://schemas.microsoft.com/office/powerpoint/2010/main" val="3383447015"/>
       </p:ext>
     </p:extLst>
   </p:cSld>
@@ -5025,143 +3808,84 @@
           <a:lstStyle/>
           <a:p>
             <a:r>
-              <a:rPr lang="de-DE" baseline="0" dirty="0" smtClean="0"/>
-              <a:t>Ablauf:</a:t>
-            </a:r>
-          </a:p>
-          <a:p>
-            <a:pPr marL="171450" indent="-171450">
-              <a:buFont typeface="Arial" pitchFamily="34" charset="0"/>
-              <a:buChar char="•"/>
-            </a:pPr>
-            <a:r>
-              <a:rPr lang="de-DE" baseline="0" dirty="0" smtClean="0"/>
-              <a:t>Projekt auschecken (aktuelle Version als Dateien in Ordner hinzufügen)</a:t>
-            </a:r>
-          </a:p>
-          <a:p>
-            <a:pPr marL="171450" indent="-171450">
-              <a:buFont typeface="Arial" pitchFamily="34" charset="0"/>
-              <a:buChar char="•"/>
-            </a:pPr>
-            <a:r>
-              <a:rPr lang="de-DE" baseline="0" dirty="0" smtClean="0"/>
-              <a:t>Dateien bearbeiten (Zustand: </a:t>
-            </a:r>
-            <a:r>
-              <a:rPr lang="de-DE" baseline="0" dirty="0" err="1" smtClean="0"/>
-              <a:t>modified</a:t>
-            </a:r>
-            <a:r>
-              <a:rPr lang="de-DE" baseline="0" dirty="0" smtClean="0"/>
-              <a:t>)</a:t>
-            </a:r>
-          </a:p>
-          <a:p>
-            <a:pPr marL="171450" indent="-171450">
-              <a:buFont typeface="Arial" pitchFamily="34" charset="0"/>
-              <a:buChar char="•"/>
-            </a:pPr>
-            <a:r>
-              <a:rPr lang="de-DE" baseline="0" dirty="0" smtClean="0"/>
-              <a:t>hinzufügen zu </a:t>
-            </a:r>
-            <a:r>
-              <a:rPr lang="de-DE" baseline="0" dirty="0" err="1" smtClean="0"/>
-              <a:t>staging</a:t>
-            </a:r>
-            <a:r>
-              <a:rPr lang="de-DE" baseline="0" dirty="0" smtClean="0"/>
+              <a:rPr lang="de-DE" b="1" dirty="0" smtClean="0"/>
+              <a:t>commit</a:t>
+            </a:r>
+            <a:r>
+              <a:rPr lang="de-DE" sz="1400" b="1" dirty="0" smtClean="0"/>
+              <a:t>: </a:t>
+            </a:r>
+            <a:r>
+              <a:rPr lang="de-DE" sz="1400" b="0" dirty="0" smtClean="0"/>
+              <a:t>(=festlegen)</a:t>
+            </a:r>
+            <a:r>
+              <a:rPr lang="de-DE" sz="1400" b="0" baseline="0" dirty="0" smtClean="0"/>
               <a:t> </a:t>
             </a:r>
             <a:r>
-              <a:rPr lang="de-DE" baseline="0" dirty="0" err="1" smtClean="0"/>
-              <a:t>area</a:t>
-            </a:r>
-            <a:r>
-              <a:rPr lang="de-DE" baseline="0" dirty="0" smtClean="0"/>
-              <a:t> (auf Liste schreiben: bitte Änderung festhalten) (Zustand: </a:t>
-            </a:r>
-            <a:r>
-              <a:rPr lang="de-DE" baseline="0" dirty="0" err="1" smtClean="0"/>
-              <a:t>staged</a:t>
-            </a:r>
-            <a:r>
-              <a:rPr lang="de-DE" baseline="0" dirty="0" smtClean="0"/>
-              <a:t>)</a:t>
-            </a:r>
-          </a:p>
-          <a:p>
-            <a:pPr marL="171450" indent="-171450">
-              <a:buFont typeface="Arial" pitchFamily="34" charset="0"/>
-              <a:buChar char="•"/>
-            </a:pPr>
-            <a:r>
-              <a:rPr lang="de-DE" baseline="0" dirty="0" err="1" smtClean="0"/>
-              <a:t>commit</a:t>
-            </a:r>
-            <a:r>
-              <a:rPr lang="de-DE" baseline="0" dirty="0" smtClean="0"/>
-              <a:t> machen, also Zustand der Dateien in </a:t>
-            </a:r>
-            <a:r>
-              <a:rPr lang="de-DE" baseline="0" dirty="0" err="1" smtClean="0"/>
-              <a:t>staging</a:t>
-            </a:r>
-            <a:r>
-              <a:rPr lang="de-DE" baseline="0" dirty="0" smtClean="0"/>
+              <a:rPr lang="de-DE" sz="1400" b="0" dirty="0" smtClean="0"/>
+              <a:t>Snapshot</a:t>
+            </a:r>
+            <a:r>
+              <a:rPr lang="de-DE" sz="1400" b="0" baseline="0" dirty="0" smtClean="0"/>
+              <a:t> aller Dateien zu einem bestimmten Zeitpunkt -&gt; Änderungen festhalten</a:t>
+            </a:r>
+            <a:endParaRPr lang="de-DE" sz="1400" b="1" dirty="0" smtClean="0"/>
+          </a:p>
+          <a:p>
+            <a:r>
+              <a:rPr lang="de-DE" sz="1400" b="1" dirty="0" smtClean="0"/>
+              <a:t>tag: </a:t>
+            </a:r>
+            <a:r>
+              <a:rPr lang="de-DE" sz="1400" b="0" dirty="0" smtClean="0"/>
+              <a:t>ganz bestimmtes</a:t>
+            </a:r>
+            <a:r>
+              <a:rPr lang="de-DE" sz="1400" b="0" baseline="0" dirty="0" smtClean="0"/>
+              <a:t> commit (z.B. Version 1.0)</a:t>
+            </a:r>
+            <a:endParaRPr lang="de-DE" sz="1400" b="1" dirty="0" smtClean="0"/>
+          </a:p>
+          <a:p>
+            <a:r>
+              <a:rPr lang="de-DE" sz="1400" b="1" dirty="0" err="1" smtClean="0"/>
+              <a:t>merge</a:t>
+            </a:r>
+            <a:r>
+              <a:rPr lang="de-DE" sz="1400" b="1" dirty="0" smtClean="0"/>
+              <a:t>: </a:t>
+            </a:r>
+            <a:r>
+              <a:rPr lang="de-DE" sz="1400" b="0" dirty="0" smtClean="0"/>
+              <a:t>(=zusammenführen)</a:t>
+            </a:r>
+            <a:r>
+              <a:rPr lang="de-DE" sz="1400" b="0" baseline="0" dirty="0" smtClean="0"/>
               <a:t> </a:t>
             </a:r>
             <a:r>
-              <a:rPr lang="de-DE" baseline="0" dirty="0" err="1" smtClean="0"/>
-              <a:t>area</a:t>
-            </a:r>
-            <a:r>
-              <a:rPr lang="de-DE" baseline="0" dirty="0" smtClean="0"/>
-              <a:t> in Ablage speichern (Zustand: </a:t>
-            </a:r>
-            <a:r>
-              <a:rPr lang="de-DE" baseline="0" dirty="0" err="1" smtClean="0"/>
-              <a:t>commited</a:t>
-            </a:r>
-            <a:r>
-              <a:rPr lang="de-DE" baseline="0" dirty="0" smtClean="0"/>
-              <a:t>)</a:t>
-            </a:r>
-          </a:p>
-          <a:p>
-            <a:pPr marL="171450" indent="-171450">
-              <a:buFont typeface="Arial" pitchFamily="34" charset="0"/>
-              <a:buChar char="•"/>
-            </a:pPr>
-            <a:endParaRPr lang="de-DE" baseline="0" dirty="0" smtClean="0"/>
-          </a:p>
-          <a:p>
-            <a:pPr marL="0" indent="0">
-              <a:buFont typeface="Arial" pitchFamily="34" charset="0"/>
-              <a:buNone/>
-            </a:pPr>
-            <a:r>
-              <a:rPr lang="de-DE" baseline="0" dirty="0" smtClean="0"/>
-              <a:t>Achtung: </a:t>
-            </a:r>
-            <a:r>
-              <a:rPr lang="de-DE" baseline="0" dirty="0" err="1" smtClean="0"/>
-              <a:t>commit</a:t>
-            </a:r>
-            <a:r>
-              <a:rPr lang="de-DE" baseline="0" dirty="0" smtClean="0"/>
-              <a:t> zeichnet Dateien-Zustände zum Zeitpunkt des Hinzufügens zur </a:t>
-            </a:r>
-            <a:r>
-              <a:rPr lang="de-DE" baseline="0" dirty="0" err="1" smtClean="0"/>
-              <a:t>Staging</a:t>
-            </a:r>
-            <a:r>
-              <a:rPr lang="de-DE" baseline="0" dirty="0" smtClean="0"/>
-              <a:t> Area auf, nicht Änderungen danach</a:t>
-            </a:r>
-            <a:endParaRPr lang="de-DE" baseline="0" dirty="0" smtClean="0"/>
+              <a:rPr lang="de-DE" sz="1400" b="0" dirty="0" smtClean="0"/>
+              <a:t>Änderungen</a:t>
+            </a:r>
+            <a:r>
+              <a:rPr lang="de-DE" sz="1400" b="0" baseline="0" dirty="0" smtClean="0"/>
+              <a:t> von einem </a:t>
+            </a:r>
+            <a:r>
+              <a:rPr lang="de-DE" sz="1400" b="0" baseline="0" dirty="0" err="1" smtClean="0"/>
+              <a:t>Branch</a:t>
+            </a:r>
+            <a:r>
+              <a:rPr lang="de-DE" sz="1400" b="0" baseline="0" dirty="0" smtClean="0"/>
+              <a:t> in einen anderen bringen per </a:t>
+            </a:r>
+            <a:r>
+              <a:rPr lang="de-DE" sz="1400" b="0" baseline="0" dirty="0" err="1" smtClean="0"/>
+              <a:t>merge</a:t>
+            </a:r>
+            <a:endParaRPr lang="de-DE" b="1" dirty="0"/>
           </a:p>
         </p:txBody>
       </p:sp>
@@ -5191,7 +3915,7 @@
     </p:spTree>
     <p:extLst>
       <p:ext uri="{BB962C8B-B14F-4D97-AF65-F5344CB8AC3E}">
-        <p14:creationId xmlns:p14="http://schemas.microsoft.com/office/powerpoint/2010/main" val="4232639595"/>
+        <p14:creationId xmlns:p14="http://schemas.microsoft.com/office/powerpoint/2010/main" val="2534943342"/>
       </p:ext>
     </p:extLst>
   </p:cSld>
@@ -5245,57 +3969,29 @@
           <a:bodyPr/>
           <a:lstStyle/>
           <a:p>
-            <a:pPr marL="171450" indent="-171450">
-              <a:buFont typeface="Arial" pitchFamily="34" charset="0"/>
-              <a:buChar char="•"/>
-            </a:pPr>
-            <a:r>
-              <a:rPr lang="de-DE" dirty="0" err="1" smtClean="0"/>
-              <a:t>clone</a:t>
-            </a:r>
-            <a:r>
-              <a:rPr lang="de-DE" dirty="0" smtClean="0"/>
-              <a:t>	Repository</a:t>
+            <a:r>
+              <a:rPr lang="de-DE" baseline="0" dirty="0" err="1" smtClean="0"/>
+              <a:t>Git</a:t>
             </a:r>
             <a:r>
               <a:rPr lang="de-DE" baseline="0" dirty="0" smtClean="0"/>
-              <a:t> (Ablage) auf Rechner kopieren, und aktuelle Version in Arbeitsverzeichnis kopieren</a:t>
-            </a:r>
-          </a:p>
-          <a:p>
-            <a:pPr marL="171450" indent="-171450">
-              <a:buFont typeface="Arial" pitchFamily="34" charset="0"/>
-              <a:buChar char="•"/>
-            </a:pPr>
-            <a:r>
-              <a:rPr lang="de-DE" dirty="0" err="1" smtClean="0"/>
-              <a:t>status</a:t>
-            </a:r>
-            <a:r>
-              <a:rPr lang="de-DE" dirty="0" smtClean="0"/>
-              <a:t>	u.a. Status der Dateien anzeigen (welche sind </a:t>
-            </a:r>
-            <a:r>
-              <a:rPr lang="de-DE" dirty="0" err="1" smtClean="0"/>
-              <a:t>modified</a:t>
+              <a:t> kann Dateien im </a:t>
+            </a:r>
+            <a:r>
+              <a:rPr lang="de-DE" baseline="0" dirty="0" err="1" smtClean="0"/>
+              <a:t>working</a:t>
             </a:r>
             <a:r>
               <a:rPr lang="de-DE" baseline="0" dirty="0" smtClean="0"/>
-              <a:t> etc.)</a:t>
-            </a:r>
-          </a:p>
-          <a:p>
-            <a:pPr marL="171450" indent="-171450">
-              <a:buFont typeface="Arial" pitchFamily="34" charset="0"/>
-              <a:buChar char="•"/>
-            </a:pPr>
+              <a:t> </a:t>
+            </a:r>
             <a:r>
               <a:rPr lang="de-DE" baseline="0" dirty="0" err="1" smtClean="0"/>
-              <a:t>add</a:t>
+              <a:t>directory</a:t>
             </a:r>
             <a:r>
               <a:rPr lang="de-DE" baseline="0" dirty="0" smtClean="0"/>
-              <a:t>	Datei „</a:t>
+              <a:t> </a:t>
             </a:r>
             <a:r>
               <a:rPr lang="de-DE" baseline="0" dirty="0" err="1" smtClean="0"/>
@@ -5303,231 +3999,71 @@
             </a:r>
             <a:r>
               <a:rPr lang="de-DE" baseline="0" dirty="0" smtClean="0"/>
-              <a:t>“, also Änderungen verfolgen</a:t>
-            </a:r>
-          </a:p>
-          <a:p>
-            <a:pPr marL="914400" lvl="2" indent="0">
-              <a:buFont typeface="Arial" pitchFamily="34" charset="0"/>
-              <a:buNone/>
-            </a:pPr>
+              <a:t> (=verfolgen)</a:t>
+            </a:r>
+          </a:p>
+          <a:p>
             <a:r>
               <a:rPr lang="de-DE" baseline="0" dirty="0" smtClean="0"/>
-              <a:t>veränderte Datei zu </a:t>
-            </a:r>
-            <a:r>
-              <a:rPr lang="de-DE" baseline="0" dirty="0" err="1" smtClean="0"/>
-              <a:t>staging</a:t>
-            </a:r>
+              <a:t>explizit hinzufügen: </a:t>
+            </a:r>
+            <a:r>
+              <a:rPr lang="de-DE" i="1" baseline="0" dirty="0" err="1" smtClean="0"/>
+              <a:t>git</a:t>
+            </a:r>
+            <a:r>
+              <a:rPr lang="de-DE" i="1" baseline="0" dirty="0" smtClean="0"/>
+              <a:t> </a:t>
+            </a:r>
+            <a:r>
+              <a:rPr lang="de-DE" i="1" baseline="0" dirty="0" err="1" smtClean="0"/>
+              <a:t>add</a:t>
+            </a:r>
+            <a:endParaRPr lang="de-DE" baseline="0" dirty="0" smtClean="0"/>
+          </a:p>
+          <a:p>
             <a:r>
               <a:rPr lang="de-DE" baseline="0" dirty="0" smtClean="0"/>
+              <a:t>Änderung soll beim nächsten commit festgehalten werden: </a:t>
+            </a:r>
+            <a:r>
+              <a:rPr lang="de-DE" i="1" baseline="0" dirty="0" err="1" smtClean="0"/>
+              <a:t>git</a:t>
+            </a:r>
+            <a:r>
+              <a:rPr lang="de-DE" i="1" baseline="0" dirty="0" smtClean="0"/>
               <a:t> </a:t>
             </a:r>
             <a:r>
-              <a:rPr lang="de-DE" baseline="0" dirty="0" err="1" smtClean="0"/>
-              <a:t>area</a:t>
-            </a:r>
-            <a:r>
-              <a:rPr lang="de-DE" baseline="0" dirty="0" smtClean="0"/>
-              <a:t> hinzufügen</a:t>
-            </a:r>
-          </a:p>
-          <a:p>
-            <a:pPr marL="171450" indent="-171450">
-              <a:buFont typeface="Arial" pitchFamily="34" charset="0"/>
-              <a:buChar char="•"/>
-            </a:pPr>
-            <a:r>
-              <a:rPr lang="de-DE" dirty="0" err="1" smtClean="0"/>
-              <a:t>diff</a:t>
-            </a:r>
-            <a:r>
-              <a:rPr lang="de-DE" dirty="0" smtClean="0"/>
-              <a:t>	Änderungen,</a:t>
-            </a:r>
-            <a:r>
-              <a:rPr lang="de-DE" baseline="0" dirty="0" smtClean="0"/>
-              <a:t> die noch nicht in </a:t>
-            </a:r>
-            <a:r>
-              <a:rPr lang="de-DE" baseline="0" dirty="0" err="1" smtClean="0"/>
-              <a:t>staging</a:t>
-            </a:r>
-            <a:r>
-              <a:rPr lang="de-DE" baseline="0" dirty="0" smtClean="0"/>
+              <a:rPr lang="de-DE" i="1" baseline="0" dirty="0" err="1" smtClean="0"/>
+              <a:t>add</a:t>
+            </a:r>
+            <a:endParaRPr lang="de-DE" i="1" baseline="0" dirty="0" smtClean="0"/>
+          </a:p>
+          <a:p>
+            <a:endParaRPr lang="de-DE" i="1" baseline="0" dirty="0" smtClean="0"/>
+          </a:p>
+          <a:p>
+            <a:pPr algn="l"/>
+            <a:r>
+              <a:rPr lang="de-DE" i="0" baseline="0" dirty="0" smtClean="0"/>
+              <a:t>commit zeichnet nur Änderungen auf, die per </a:t>
+            </a:r>
+            <a:r>
+              <a:rPr lang="de-DE" i="1" baseline="0" dirty="0" err="1" smtClean="0"/>
+              <a:t>git</a:t>
+            </a:r>
+            <a:r>
+              <a:rPr lang="de-DE" i="1" baseline="0" dirty="0" smtClean="0"/>
               <a:t> </a:t>
             </a:r>
             <a:r>
-              <a:rPr lang="de-DE" baseline="0" dirty="0" err="1" smtClean="0"/>
-              <a:t>area</a:t>
-            </a:r>
-            <a:r>
-              <a:rPr lang="de-DE" baseline="0" dirty="0" smtClean="0"/>
-              <a:t> sind anzeigen</a:t>
-            </a:r>
-          </a:p>
-          <a:p>
-            <a:pPr marL="914400" lvl="2" indent="0">
-              <a:buFont typeface="Arial" pitchFamily="34" charset="0"/>
-              <a:buNone/>
-            </a:pPr>
-            <a:r>
-              <a:rPr lang="de-DE" baseline="0" dirty="0" smtClean="0"/>
-              <a:t>--</a:t>
-            </a:r>
-            <a:r>
-              <a:rPr lang="de-DE" baseline="0" dirty="0" err="1" smtClean="0"/>
-              <a:t>staged</a:t>
-            </a:r>
-            <a:r>
-              <a:rPr lang="de-DE" baseline="0" dirty="0" smtClean="0"/>
-              <a:t>: Änderungen, die </a:t>
-            </a:r>
-            <a:r>
-              <a:rPr lang="de-DE" baseline="0" dirty="0" err="1" smtClean="0"/>
-              <a:t>commited</a:t>
-            </a:r>
-            <a:r>
-              <a:rPr lang="de-DE" baseline="0" dirty="0" smtClean="0"/>
-              <a:t> werden, anzeigen</a:t>
-            </a:r>
-          </a:p>
-          <a:p>
-            <a:pPr marL="171450" lvl="0" indent="-171450">
-              <a:buFont typeface="Arial" pitchFamily="34" charset="0"/>
-              <a:buChar char="•"/>
-            </a:pPr>
-            <a:r>
-              <a:rPr lang="de-DE" baseline="0" dirty="0" err="1" smtClean="0"/>
-              <a:t>commit</a:t>
-            </a:r>
-            <a:r>
-              <a:rPr lang="de-DE" baseline="0" dirty="0" smtClean="0"/>
-              <a:t>	</a:t>
-            </a:r>
-            <a:r>
-              <a:rPr lang="de-DE" baseline="0" dirty="0" err="1" smtClean="0"/>
-              <a:t>staging</a:t>
-            </a:r>
-            <a:r>
-              <a:rPr lang="de-DE" baseline="0" dirty="0" smtClean="0"/>
-              <a:t> </a:t>
-            </a:r>
-            <a:r>
-              <a:rPr lang="de-DE" baseline="0" dirty="0" err="1" smtClean="0"/>
-              <a:t>area</a:t>
-            </a:r>
-            <a:r>
-              <a:rPr lang="de-DE" baseline="0" dirty="0" smtClean="0"/>
-              <a:t> in </a:t>
-            </a:r>
-            <a:r>
-              <a:rPr lang="de-DE" baseline="0" dirty="0" err="1" smtClean="0"/>
-              <a:t>repository</a:t>
-            </a:r>
-            <a:r>
-              <a:rPr lang="de-DE" baseline="0" dirty="0" smtClean="0"/>
-              <a:t> speichern</a:t>
-            </a:r>
-          </a:p>
-          <a:p>
-            <a:pPr marL="914400" lvl="2" indent="0">
-              <a:buFont typeface="Arial" pitchFamily="34" charset="0"/>
-              <a:buNone/>
-            </a:pPr>
-            <a:r>
-              <a:rPr lang="de-DE" baseline="0" dirty="0" smtClean="0"/>
-              <a:t>aussagekräftige Beschreibung der Änderungen verwenden</a:t>
-            </a:r>
-          </a:p>
-          <a:p>
-            <a:pPr marL="914400" lvl="2" indent="0">
-              <a:buFont typeface="Arial" pitchFamily="34" charset="0"/>
-              <a:buNone/>
-            </a:pPr>
-            <a:r>
-              <a:rPr lang="de-DE" baseline="0" dirty="0" smtClean="0"/>
-              <a:t>-a: macht </a:t>
-            </a:r>
-            <a:r>
-              <a:rPr lang="de-DE" baseline="0" dirty="0" err="1" smtClean="0"/>
+              <a:rPr lang="de-DE" i="1" baseline="0" dirty="0" err="1" smtClean="0"/>
               <a:t>add</a:t>
             </a:r>
             <a:r>
-              <a:rPr lang="de-DE" baseline="0" dirty="0" smtClean="0"/>
-              <a:t> überflüssig, und </a:t>
-            </a:r>
-            <a:r>
-              <a:rPr lang="de-DE" baseline="0" dirty="0" err="1" smtClean="0"/>
-              <a:t>commited</a:t>
-            </a:r>
-            <a:r>
-              <a:rPr lang="de-DE" baseline="0" dirty="0" smtClean="0"/>
-              <a:t> alle geänderten </a:t>
-            </a:r>
-            <a:r>
-              <a:rPr lang="de-DE" baseline="0" dirty="0" err="1" smtClean="0"/>
-              <a:t>getrackten</a:t>
-            </a:r>
-            <a:r>
-              <a:rPr lang="de-DE" baseline="0" dirty="0" smtClean="0"/>
-              <a:t> Dateien</a:t>
-            </a:r>
-          </a:p>
-          <a:p>
-            <a:pPr marL="171450" lvl="0" indent="-171450">
-              <a:buFont typeface="Arial" pitchFamily="34" charset="0"/>
-              <a:buChar char="•"/>
-            </a:pPr>
-            <a:r>
-              <a:rPr lang="de-DE" baseline="0" dirty="0" err="1" smtClean="0"/>
-              <a:t>rm</a:t>
-            </a:r>
-            <a:r>
-              <a:rPr lang="de-DE" baseline="0" dirty="0" smtClean="0"/>
-              <a:t>	löscht Datei aus Verzeichnis, und fügt Löschung zu </a:t>
-            </a:r>
-            <a:r>
-              <a:rPr lang="de-DE" baseline="0" dirty="0" err="1" smtClean="0"/>
-              <a:t>staging</a:t>
-            </a:r>
-            <a:r>
-              <a:rPr lang="de-DE" baseline="0" dirty="0" smtClean="0"/>
-              <a:t> </a:t>
-            </a:r>
-            <a:r>
-              <a:rPr lang="de-DE" baseline="0" dirty="0" err="1" smtClean="0"/>
-              <a:t>area</a:t>
-            </a:r>
-            <a:r>
-              <a:rPr lang="de-DE" baseline="0" dirty="0" smtClean="0"/>
-              <a:t> hinzu</a:t>
-            </a:r>
-          </a:p>
-          <a:p>
-            <a:pPr marL="914400" lvl="2" indent="0">
-              <a:buFont typeface="Arial" pitchFamily="34" charset="0"/>
-              <a:buNone/>
-            </a:pPr>
-            <a:r>
-              <a:rPr lang="de-DE" baseline="0" dirty="0" smtClean="0"/>
-              <a:t>--</a:t>
-            </a:r>
-            <a:r>
-              <a:rPr lang="de-DE" baseline="0" dirty="0" err="1" smtClean="0"/>
-              <a:t>staged</a:t>
-            </a:r>
-            <a:r>
-              <a:rPr lang="de-DE" baseline="0" dirty="0" smtClean="0"/>
-              <a:t>: behält Datei im Arbeitsverzeichnis, aber </a:t>
-            </a:r>
-            <a:r>
-              <a:rPr lang="de-DE" baseline="0" dirty="0" err="1" smtClean="0"/>
-              <a:t>trackt</a:t>
-            </a:r>
-            <a:r>
-              <a:rPr lang="de-DE" baseline="0" dirty="0" smtClean="0"/>
-              <a:t> sie nicht mehr</a:t>
+              <a:rPr lang="de-DE" i="0" baseline="0" dirty="0" smtClean="0"/>
+              <a:t> hinzugefügt wurden</a:t>
             </a:r>
           </a:p>
         </p:txBody>
@@ -5558,7 +4094,7 @@
     </p:spTree>
     <p:extLst>
       <p:ext uri="{BB962C8B-B14F-4D97-AF65-F5344CB8AC3E}">
-        <p14:creationId xmlns:p14="http://schemas.microsoft.com/office/powerpoint/2010/main" val="1601188965"/>
+        <p14:creationId xmlns:p14="http://schemas.microsoft.com/office/powerpoint/2010/main" val="4232639595"/>
       </p:ext>
     </p:extLst>
   </p:cSld>
@@ -5612,68 +4148,133 @@
           <a:bodyPr/>
           <a:lstStyle/>
           <a:p>
+            <a:r>
+              <a:rPr lang="de-DE" dirty="0" smtClean="0"/>
+              <a:t>zentralisiert: zentrales Repository</a:t>
+            </a:r>
+            <a:r>
+              <a:rPr lang="de-DE" baseline="0" dirty="0" smtClean="0"/>
+              <a:t> enthält funktionierenden Main-</a:t>
+            </a:r>
+            <a:r>
+              <a:rPr lang="de-DE" baseline="0" dirty="0" err="1" smtClean="0"/>
+              <a:t>branch</a:t>
+            </a:r>
+            <a:endParaRPr lang="de-DE" baseline="0" dirty="0" smtClean="0"/>
+          </a:p>
+          <a:p>
+            <a:r>
+              <a:rPr lang="de-DE" baseline="0" dirty="0" smtClean="0"/>
+              <a:t>lokal entwickeln, dann funktionierende Änderungen in </a:t>
+            </a:r>
+            <a:r>
+              <a:rPr lang="de-DE" baseline="0" dirty="0" err="1" smtClean="0"/>
+              <a:t>main</a:t>
+            </a:r>
+            <a:r>
+              <a:rPr lang="de-DE" baseline="0" dirty="0" smtClean="0"/>
+              <a:t> </a:t>
+            </a:r>
+            <a:r>
+              <a:rPr lang="de-DE" baseline="0" dirty="0" err="1" smtClean="0"/>
+              <a:t>mergen</a:t>
+            </a:r>
+            <a:r>
+              <a:rPr lang="de-DE" baseline="0" dirty="0" smtClean="0"/>
+              <a:t> und auf Server pushen</a:t>
+            </a:r>
+          </a:p>
+          <a:p>
+            <a:endParaRPr lang="de-DE" baseline="0" dirty="0" smtClean="0"/>
+          </a:p>
+          <a:p>
             <a:pPr marL="171450" indent="-171450">
               <a:buFont typeface="Arial" pitchFamily="34" charset="0"/>
               <a:buChar char="•"/>
             </a:pPr>
             <a:r>
-              <a:rPr lang="de-DE" dirty="0" smtClean="0"/>
-              <a:t>mv	Datei </a:t>
-            </a:r>
-            <a:r>
-              <a:rPr lang="de-DE" dirty="0" err="1" smtClean="0"/>
-              <a:t>umbennen</a:t>
-            </a:r>
-            <a:endParaRPr lang="de-DE" dirty="0" smtClean="0"/>
-          </a:p>
-          <a:p>
-            <a:pPr marL="914400" lvl="2" indent="0">
-              <a:buFont typeface="Arial" pitchFamily="34" charset="0"/>
-              <a:buNone/>
-            </a:pPr>
-            <a:r>
               <a:rPr lang="de-DE" baseline="0" dirty="0" smtClean="0"/>
-              <a:t>äquivalent: per Hand umbenennen, dann git </a:t>
-            </a:r>
-            <a:r>
-              <a:rPr lang="de-DE" baseline="0" dirty="0" err="1" smtClean="0"/>
-              <a:t>rm</a:t>
-            </a:r>
-            <a:r>
-              <a:rPr lang="de-DE" baseline="0" dirty="0" smtClean="0"/>
-              <a:t> &lt;</a:t>
-            </a:r>
-            <a:r>
-              <a:rPr lang="de-DE" baseline="0" dirty="0" err="1" smtClean="0"/>
-              <a:t>file_from</a:t>
-            </a:r>
-            <a:r>
-              <a:rPr lang="de-DE" baseline="0" dirty="0" smtClean="0"/>
-              <a:t>&gt;, git </a:t>
-            </a:r>
-            <a:r>
-              <a:rPr lang="de-DE" baseline="0" dirty="0" err="1" smtClean="0"/>
-              <a:t>add</a:t>
-            </a:r>
-            <a:r>
-              <a:rPr lang="de-DE" baseline="0" dirty="0" smtClean="0"/>
-              <a:t> &lt;</a:t>
-            </a:r>
-            <a:r>
-              <a:rPr lang="de-DE" baseline="0" dirty="0" err="1" smtClean="0"/>
-              <a:t>file_to</a:t>
-            </a:r>
-            <a:r>
-              <a:rPr lang="de-DE" baseline="0" dirty="0" smtClean="0"/>
-              <a:t>&gt;</a:t>
-            </a:r>
-          </a:p>
-          <a:p>
-            <a:pPr marL="171450" lvl="0" indent="-171450">
+              <a:t>Repository klonen -&gt; alles lokal</a:t>
+            </a:r>
+          </a:p>
+          <a:p>
+            <a:pPr marL="171450" indent="-171450">
               <a:buFont typeface="Arial" pitchFamily="34" charset="0"/>
               <a:buChar char="•"/>
             </a:pPr>
+            <a:r>
+              <a:rPr lang="de-DE" dirty="0" smtClean="0"/>
+              <a:t>Änderungen durchführen und </a:t>
+            </a:r>
+            <a:r>
+              <a:rPr lang="de-DE" dirty="0" err="1" smtClean="0"/>
+              <a:t>commiten</a:t>
+            </a:r>
+            <a:endParaRPr lang="de-DE" dirty="0" smtClean="0"/>
+          </a:p>
+          <a:p>
+            <a:pPr marL="171450" indent="-171450">
+              <a:buFont typeface="Arial" pitchFamily="34" charset="0"/>
+              <a:buChar char="•"/>
+            </a:pPr>
+            <a:r>
+              <a:rPr lang="de-DE" dirty="0" smtClean="0"/>
+              <a:t>entfernten Zweig „</a:t>
+            </a:r>
+            <a:r>
+              <a:rPr lang="de-DE" dirty="0" err="1" smtClean="0"/>
+              <a:t>fetchen</a:t>
+            </a:r>
+            <a:r>
+              <a:rPr lang="de-DE" dirty="0" smtClean="0"/>
+              <a:t>“, um</a:t>
+            </a:r>
+            <a:r>
+              <a:rPr lang="de-DE" baseline="0" dirty="0" smtClean="0"/>
+              <a:t> aktuellsten Stand zu haben</a:t>
+            </a:r>
+          </a:p>
+          <a:p>
+            <a:pPr marL="171450" indent="-171450">
+              <a:buFont typeface="Arial" pitchFamily="34" charset="0"/>
+              <a:buChar char="•"/>
+            </a:pPr>
+            <a:r>
+              <a:rPr lang="de-DE" baseline="0" dirty="0" smtClean="0"/>
+              <a:t>remote </a:t>
+            </a:r>
+            <a:r>
+              <a:rPr lang="de-DE" baseline="0" dirty="0" err="1" smtClean="0"/>
+              <a:t>branch</a:t>
+            </a:r>
+            <a:r>
+              <a:rPr lang="de-DE" baseline="0" dirty="0" smtClean="0"/>
+              <a:t> in eigenen </a:t>
+            </a:r>
+            <a:r>
+              <a:rPr lang="de-DE" baseline="0" dirty="0" err="1" smtClean="0"/>
+              <a:t>master</a:t>
+            </a:r>
+            <a:r>
+              <a:rPr lang="de-DE" baseline="0" dirty="0" smtClean="0"/>
+              <a:t> </a:t>
+            </a:r>
+            <a:r>
+              <a:rPr lang="de-DE" baseline="0" dirty="0" err="1" smtClean="0"/>
+              <a:t>mergen</a:t>
+            </a:r>
             <a:endParaRPr lang="de-DE" baseline="0" dirty="0" smtClean="0"/>
+          </a:p>
+          <a:p>
+            <a:pPr marL="171450" indent="-171450">
+              <a:buFont typeface="Arial" pitchFamily="34" charset="0"/>
+              <a:buChar char="•"/>
+            </a:pPr>
+            <a:r>
+              <a:rPr lang="de-DE" baseline="0" dirty="0" smtClean="0"/>
+              <a:t>Änderungen auf Servern pushen</a:t>
+            </a:r>
+            <a:endParaRPr lang="de-DE" dirty="0"/>
           </a:p>
         </p:txBody>
       </p:sp>
@@ -5703,7 +4304,7 @@
     </p:spTree>
     <p:extLst>
       <p:ext uri="{BB962C8B-B14F-4D97-AF65-F5344CB8AC3E}">
-        <p14:creationId xmlns:p14="http://schemas.microsoft.com/office/powerpoint/2010/main" val="1601188965"/>
+        <p14:creationId xmlns:p14="http://schemas.microsoft.com/office/powerpoint/2010/main" val="275922648"/>
       </p:ext>
     </p:extLst>
   </p:cSld>
@@ -5775,9 +4376,21 @@
           <a:p>
             <a:r>
               <a:rPr lang="de-DE" baseline="0" dirty="0" smtClean="0"/>
-              <a:t>grafische Historie</a:t>
-            </a:r>
-            <a:endParaRPr lang="de-DE" dirty="0"/>
+              <a:t>grafische </a:t>
+            </a:r>
+            <a:r>
+              <a:rPr lang="de-DE" baseline="0" dirty="0" smtClean="0"/>
+              <a:t>Historie</a:t>
+            </a:r>
+          </a:p>
+          <a:p>
+            <a:endParaRPr lang="de-DE" baseline="0" dirty="0"/>
+          </a:p>
+          <a:p>
+            <a:r>
+              <a:rPr lang="de-DE" baseline="0" dirty="0" smtClean="0"/>
+              <a:t>alles vorführen!</a:t>
+            </a:r>
           </a:p>
         </p:txBody>
       </p:sp>
@@ -5808,156 +4421,6 @@
     <p:extLst>
       <p:ext uri="{BB962C8B-B14F-4D97-AF65-F5344CB8AC3E}">
         <p14:creationId xmlns:p14="http://schemas.microsoft.com/office/powerpoint/2010/main" val="3849616955"/>
-      </p:ext>
-    </p:extLst>
-  </p:cSld>
-  <p:clrMapOvr>
-    <a:masterClrMapping/>
-  </p:clrMapOvr>
-</p:notes>
-</file>
-
-<file path=ppt/notesSlides/notesSlide9.xml><?xml version="1.0" encoding="utf-8"?>
-<p:notes xmlns:a="http://schemas.openxmlformats.org/drawingml/2006/main" xmlns:r="http://schemas.openxmlformats.org/officeDocument/2006/relationships" xmlns:p="http://schemas.openxmlformats.org/presentationml/2006/main">
-  <p:cSld>
-    <p:spTree>
-      <p:nvGrpSpPr>
-        <p:cNvPr id="1" name=""/>
-        <p:cNvGrpSpPr/>
-        <p:nvPr/>
-      </p:nvGrpSpPr>
-      <p:grpSpPr>
-        <a:xfrm>
-          <a:off x="0" y="0"/>
-          <a:ext cx="0" cy="0"/>
-          <a:chOff x="0" y="0"/>
-          <a:chExt cx="0" cy="0"/>
-        </a:xfrm>
-      </p:grpSpPr>
-      <p:sp>
-        <p:nvSpPr>
-          <p:cNvPr id="2" name="Folienbildplatzhalter 1"/>
-          <p:cNvSpPr>
-            <a:spLocks noGrp="1" noRot="1" noChangeAspect="1"/>
-          </p:cNvSpPr>
-          <p:nvPr>
-            <p:ph type="sldImg"/>
-          </p:nvPr>
-        </p:nvSpPr>
-        <p:spPr/>
-      </p:sp>
-      <p:sp>
-        <p:nvSpPr>
-          <p:cNvPr id="3" name="Notizenplatzhalter 2"/>
-          <p:cNvSpPr>
-            <a:spLocks noGrp="1"/>
-          </p:cNvSpPr>
-          <p:nvPr>
-            <p:ph type="body" idx="1"/>
-          </p:nvPr>
-        </p:nvSpPr>
-        <p:spPr/>
-        <p:txBody>
-          <a:bodyPr/>
-          <a:lstStyle/>
-          <a:p>
-            <a:r>
-              <a:rPr lang="de-DE" dirty="0" smtClean="0"/>
-              <a:t>Arbeiten</a:t>
-            </a:r>
-            <a:r>
-              <a:rPr lang="de-DE" baseline="0" dirty="0" smtClean="0"/>
-              <a:t> mit verschiedenen Zweigen</a:t>
-            </a:r>
-          </a:p>
-          <a:p>
-            <a:r>
-              <a:rPr lang="de-DE" baseline="0" dirty="0" smtClean="0"/>
-              <a:t>z.B. neue Features in eigenem Zweig entwickeln</a:t>
-            </a:r>
-          </a:p>
-          <a:p>
-            <a:r>
-              <a:rPr lang="de-DE" baseline="0" dirty="0" smtClean="0"/>
-              <a:t>Haupt-Code bleibt unangetastet -&gt; funktionsfähig</a:t>
-            </a:r>
-          </a:p>
-          <a:p>
-            <a:endParaRPr lang="de-DE" baseline="0" dirty="0" smtClean="0"/>
-          </a:p>
-          <a:p>
-            <a:r>
-              <a:rPr lang="de-DE" dirty="0" smtClean="0"/>
-              <a:t>Arbeiten</a:t>
-            </a:r>
-            <a:r>
-              <a:rPr lang="de-DE" baseline="0" dirty="0" smtClean="0"/>
-              <a:t> auf bestimmten </a:t>
-            </a:r>
-            <a:r>
-              <a:rPr lang="de-DE" baseline="0" dirty="0" err="1" smtClean="0"/>
-              <a:t>Branch</a:t>
-            </a:r>
-            <a:endParaRPr lang="de-DE" baseline="0" dirty="0" smtClean="0"/>
-          </a:p>
-          <a:p>
-            <a:r>
-              <a:rPr lang="de-DE" baseline="0" dirty="0" err="1" smtClean="0"/>
-              <a:t>Branch</a:t>
-            </a:r>
-            <a:r>
-              <a:rPr lang="de-DE" baseline="0" dirty="0" smtClean="0"/>
-              <a:t> zum bearbeiten auswählen: </a:t>
-            </a:r>
-            <a:r>
-              <a:rPr lang="de-DE" baseline="0" dirty="0" err="1" smtClean="0"/>
-              <a:t>checkout</a:t>
-            </a:r>
-            <a:endParaRPr lang="de-DE" baseline="0" dirty="0" smtClean="0"/>
-          </a:p>
-          <a:p>
-            <a:endParaRPr lang="de-DE" baseline="0" dirty="0" smtClean="0"/>
-          </a:p>
-          <a:p>
-            <a:r>
-              <a:rPr lang="de-DE" baseline="0" dirty="0" smtClean="0"/>
-              <a:t>wenn fertiggestellt, dann zusammenführen: </a:t>
-            </a:r>
-            <a:r>
-              <a:rPr lang="de-DE" baseline="0" dirty="0" err="1" smtClean="0"/>
-              <a:t>mergen</a:t>
-            </a:r>
-            <a:endParaRPr lang="de-DE" dirty="0" smtClean="0"/>
-          </a:p>
-        </p:txBody>
-      </p:sp>
-      <p:sp>
-        <p:nvSpPr>
-          <p:cNvPr id="4" name="Foliennummernplatzhalter 3"/>
-          <p:cNvSpPr>
-            <a:spLocks noGrp="1"/>
-          </p:cNvSpPr>
-          <p:nvPr>
-            <p:ph type="sldNum" sz="quarter" idx="10"/>
-          </p:nvPr>
-        </p:nvSpPr>
-        <p:spPr/>
-        <p:txBody>
-          <a:bodyPr/>
-          <a:lstStyle/>
-          <a:p>
-            <a:fld id="{A0720209-B8CB-4A8B-9435-470092FB7171}" type="slidenum">
-              <a:rPr lang="de-DE" smtClean="0"/>
-              <a:t>10</a:t>
-            </a:fld>
-            <a:endParaRPr lang="de-DE"/>
-          </a:p>
-        </p:txBody>
-      </p:sp>
-    </p:spTree>
-    <p:extLst>
-      <p:ext uri="{BB962C8B-B14F-4D97-AF65-F5344CB8AC3E}">
-        <p14:creationId xmlns:p14="http://schemas.microsoft.com/office/powerpoint/2010/main" val="1894541140"/>
       </p:ext>
     </p:extLst>
   </p:cSld>
@@ -6080,7 +4543,7 @@
             <a:fld id="{7CB97365-EBCA-4027-87D5-99FC1D4DF0BB}" type="datetimeFigureOut">
               <a:rPr lang="en-US" smtClean="0"/>
               <a:pPr eaLnBrk="1" latinLnBrk="0" hangingPunct="1"/>
-              <a:t>9/17/2011</a:t>
+              <a:t>9/18/2011</a:t>
             </a:fld>
             <a:endParaRPr lang="en-US"/>
           </a:p>
@@ -6310,7 +4773,7 @@
             <a:fld id="{7CB97365-EBCA-4027-87D5-99FC1D4DF0BB}" type="datetimeFigureOut">
               <a:rPr lang="en-US" smtClean="0"/>
               <a:pPr eaLnBrk="1" latinLnBrk="0" hangingPunct="1"/>
-              <a:t>9/17/2011</a:t>
+              <a:t>9/18/2011</a:t>
             </a:fld>
             <a:endParaRPr lang="en-US"/>
           </a:p>
@@ -6489,7 +4952,7 @@
             <a:fld id="{7CB97365-EBCA-4027-87D5-99FC1D4DF0BB}" type="datetimeFigureOut">
               <a:rPr lang="en-US" smtClean="0"/>
               <a:pPr eaLnBrk="1" latinLnBrk="0" hangingPunct="1"/>
-              <a:t>9/17/2011</a:t>
+              <a:t>9/18/2011</a:t>
             </a:fld>
             <a:endParaRPr lang="en-US"/>
           </a:p>
@@ -6658,7 +5121,7 @@
             <a:fld id="{7CB97365-EBCA-4027-87D5-99FC1D4DF0BB}" type="datetimeFigureOut">
               <a:rPr lang="en-US" smtClean="0"/>
               <a:pPr eaLnBrk="1" latinLnBrk="0" hangingPunct="1"/>
-              <a:t>9/17/2011</a:t>
+              <a:t>9/18/2011</a:t>
             </a:fld>
             <a:endParaRPr lang="en-US"/>
           </a:p>
@@ -6906,7 +5369,7 @@
             <a:fld id="{7CB97365-EBCA-4027-87D5-99FC1D4DF0BB}" type="datetimeFigureOut">
               <a:rPr lang="en-US" smtClean="0"/>
               <a:pPr eaLnBrk="1" latinLnBrk="0" hangingPunct="1"/>
-              <a:t>9/17/2011</a:t>
+              <a:t>9/18/2011</a:t>
             </a:fld>
             <a:endParaRPr lang="en-US"/>
           </a:p>
@@ -7174,7 +5637,7 @@
             <a:fld id="{7CB97365-EBCA-4027-87D5-99FC1D4DF0BB}" type="datetimeFigureOut">
               <a:rPr lang="en-US" smtClean="0"/>
               <a:pPr eaLnBrk="1" latinLnBrk="0" hangingPunct="1"/>
-              <a:t>9/17/2011</a:t>
+              <a:t>9/18/2011</a:t>
             </a:fld>
             <a:endParaRPr lang="en-US"/>
           </a:p>
@@ -7552,7 +6015,7 @@
             <a:fld id="{7CB97365-EBCA-4027-87D5-99FC1D4DF0BB}" type="datetimeFigureOut">
               <a:rPr lang="en-US" smtClean="0"/>
               <a:pPr eaLnBrk="1" latinLnBrk="0" hangingPunct="1"/>
-              <a:t>9/17/2011</a:t>
+              <a:t>9/18/2011</a:t>
             </a:fld>
             <a:endParaRPr lang="en-US"/>
           </a:p>
@@ -7669,7 +6132,7 @@
             <a:fld id="{7CB97365-EBCA-4027-87D5-99FC1D4DF0BB}" type="datetimeFigureOut">
               <a:rPr lang="en-US" smtClean="0"/>
               <a:pPr eaLnBrk="1" latinLnBrk="0" hangingPunct="1"/>
-              <a:t>9/17/2011</a:t>
+              <a:t>9/18/2011</a:t>
             </a:fld>
             <a:endParaRPr lang="en-US"/>
           </a:p>
@@ -7763,7 +6226,7 @@
             <a:fld id="{7CB97365-EBCA-4027-87D5-99FC1D4DF0BB}" type="datetimeFigureOut">
               <a:rPr lang="en-US" smtClean="0"/>
               <a:pPr eaLnBrk="1" latinLnBrk="0" hangingPunct="1"/>
-              <a:t>9/17/2011</a:t>
+              <a:t>9/18/2011</a:t>
             </a:fld>
             <a:endParaRPr lang="en-US"/>
           </a:p>
@@ -8025,7 +6488,7 @@
             <a:fld id="{7CB97365-EBCA-4027-87D5-99FC1D4DF0BB}" type="datetimeFigureOut">
               <a:rPr lang="en-US" smtClean="0"/>
               <a:pPr eaLnBrk="1" latinLnBrk="0" hangingPunct="1"/>
-              <a:t>9/17/2011</a:t>
+              <a:t>9/18/2011</a:t>
             </a:fld>
             <a:endParaRPr lang="en-US"/>
           </a:p>
@@ -8293,7 +6756,7 @@
             <a:fld id="{7CB97365-EBCA-4027-87D5-99FC1D4DF0BB}" type="datetimeFigureOut">
               <a:rPr lang="en-US" smtClean="0"/>
               <a:pPr eaLnBrk="1" latinLnBrk="0" hangingPunct="1"/>
-              <a:t>9/17/2011</a:t>
+              <a:t>9/18/2011</a:t>
             </a:fld>
             <a:endParaRPr lang="en-US"/>
           </a:p>
@@ -8514,7 +6977,7 @@
             <a:fld id="{7CB97365-EBCA-4027-87D5-99FC1D4DF0BB}" type="datetimeFigureOut">
               <a:rPr lang="en-US" smtClean="0"/>
               <a:pPr eaLnBrk="1" latinLnBrk="0" hangingPunct="1"/>
-              <a:t>9/17/2011</a:t>
+              <a:t>9/18/2011</a:t>
             </a:fld>
             <a:endParaRPr lang="en-US">
               <a:solidFill>
@@ -9070,731 +7533,6 @@
 </p:sld>
 </file>
 
-<file path=ppt/slides/slide10.xml><?xml version="1.0" encoding="utf-8"?>
-<p:sld xmlns:a="http://schemas.openxmlformats.org/drawingml/2006/main" xmlns:r="http://schemas.openxmlformats.org/officeDocument/2006/relationships" xmlns:p="http://schemas.openxmlformats.org/presentationml/2006/main">
-  <p:cSld>
-    <p:spTree>
-      <p:nvGrpSpPr>
-        <p:cNvPr id="1" name=""/>
-        <p:cNvGrpSpPr/>
-        <p:nvPr/>
-      </p:nvGrpSpPr>
-      <p:grpSpPr>
-        <a:xfrm>
-          <a:off x="0" y="0"/>
-          <a:ext cx="0" cy="0"/>
-          <a:chOff x="0" y="0"/>
-          <a:chExt cx="0" cy="0"/>
-        </a:xfrm>
-      </p:grpSpPr>
-      <p:sp>
-        <p:nvSpPr>
-          <p:cNvPr id="2" name="Titel 1"/>
-          <p:cNvSpPr>
-            <a:spLocks noGrp="1"/>
-          </p:cNvSpPr>
-          <p:nvPr>
-            <p:ph type="title"/>
-          </p:nvPr>
-        </p:nvSpPr>
-        <p:spPr/>
-        <p:txBody>
-          <a:bodyPr/>
-          <a:lstStyle/>
-          <a:p>
-            <a:r>
-              <a:rPr lang="de-DE" dirty="0" err="1" smtClean="0"/>
-              <a:t>Branching</a:t>
-            </a:r>
-            <a:endParaRPr lang="de-DE" dirty="0"/>
-          </a:p>
-        </p:txBody>
-      </p:sp>
-      <p:sp>
-        <p:nvSpPr>
-          <p:cNvPr id="3" name="Inhaltsplatzhalter 2"/>
-          <p:cNvSpPr>
-            <a:spLocks noGrp="1"/>
-          </p:cNvSpPr>
-          <p:nvPr>
-            <p:ph idx="1"/>
-          </p:nvPr>
-        </p:nvSpPr>
-        <p:spPr/>
-        <p:txBody>
-          <a:bodyPr/>
-          <a:lstStyle/>
-          <a:p>
-            <a:r>
-              <a:rPr lang="de-DE" dirty="0" smtClean="0"/>
-              <a:t>verschiedene Entwicklungszweige</a:t>
-            </a:r>
-          </a:p>
-          <a:p>
-            <a:r>
-              <a:rPr lang="de-DE" dirty="0" err="1" smtClean="0"/>
-              <a:t>Branch</a:t>
-            </a:r>
-            <a:r>
-              <a:rPr lang="de-DE" dirty="0" smtClean="0"/>
-              <a:t>: Zeiger auf </a:t>
-            </a:r>
-            <a:r>
-              <a:rPr lang="de-DE" dirty="0" err="1" smtClean="0"/>
-              <a:t>commit</a:t>
-            </a:r>
-            <a:endParaRPr lang="de-DE" dirty="0" smtClean="0"/>
-          </a:p>
-          <a:p>
-            <a:r>
-              <a:rPr lang="de-DE" dirty="0" smtClean="0"/>
-              <a:t>Head: aktueller </a:t>
-            </a:r>
-            <a:r>
-              <a:rPr lang="de-DE" dirty="0" err="1" smtClean="0"/>
-              <a:t>Branch</a:t>
-            </a:r>
-            <a:endParaRPr lang="de-DE" dirty="0" smtClean="0"/>
-          </a:p>
-        </p:txBody>
-      </p:sp>
-    </p:spTree>
-    <p:extLst>
-      <p:ext uri="{BB962C8B-B14F-4D97-AF65-F5344CB8AC3E}">
-        <p14:creationId xmlns:p14="http://schemas.microsoft.com/office/powerpoint/2010/main" val="3383155155"/>
-      </p:ext>
-    </p:extLst>
-  </p:cSld>
-  <p:clrMapOvr>
-    <a:masterClrMapping/>
-  </p:clrMapOvr>
-  <p:timing>
-    <p:tnLst>
-      <p:par>
-        <p:cTn id="1" dur="indefinite" restart="never" nodeType="tmRoot"/>
-      </p:par>
-    </p:tnLst>
-  </p:timing>
-</p:sld>
-</file>
-
-<file path=ppt/slides/slide11.xml><?xml version="1.0" encoding="utf-8"?>
-<p:sld xmlns:a="http://schemas.openxmlformats.org/drawingml/2006/main" xmlns:r="http://schemas.openxmlformats.org/officeDocument/2006/relationships" xmlns:p="http://schemas.openxmlformats.org/presentationml/2006/main">
-  <p:cSld>
-    <p:spTree>
-      <p:nvGrpSpPr>
-        <p:cNvPr id="1" name=""/>
-        <p:cNvGrpSpPr/>
-        <p:nvPr/>
-      </p:nvGrpSpPr>
-      <p:grpSpPr>
-        <a:xfrm>
-          <a:off x="0" y="0"/>
-          <a:ext cx="0" cy="0"/>
-          <a:chOff x="0" y="0"/>
-          <a:chExt cx="0" cy="0"/>
-        </a:xfrm>
-      </p:grpSpPr>
-      <p:pic>
-        <p:nvPicPr>
-          <p:cNvPr id="9" name="Grafik 8"/>
-          <p:cNvPicPr>
-            <a:picLocks noChangeAspect="1"/>
-          </p:cNvPicPr>
-          <p:nvPr/>
-        </p:nvPicPr>
-        <p:blipFill>
-          <a:blip r:embed="rId3">
-            <a:extLst>
-              <a:ext uri="{28A0092B-C50C-407E-A947-70E740481C1C}">
-                <a14:useLocalDpi xmlns:a14="http://schemas.microsoft.com/office/drawing/2010/main" val="0"/>
-              </a:ext>
-            </a:extLst>
-          </a:blip>
-          <a:stretch>
-            <a:fillRect/>
-          </a:stretch>
-        </p:blipFill>
-        <p:spPr>
-          <a:xfrm>
-            <a:off x="320400" y="914400"/>
-            <a:ext cx="4644000" cy="2332145"/>
-          </a:xfrm>
-          <a:prstGeom prst="rect">
-            <a:avLst/>
-          </a:prstGeom>
-        </p:spPr>
-      </p:pic>
-    </p:spTree>
-    <p:extLst>
-      <p:ext uri="{BB962C8B-B14F-4D97-AF65-F5344CB8AC3E}">
-        <p14:creationId xmlns:p14="http://schemas.microsoft.com/office/powerpoint/2010/main" val="916348795"/>
-      </p:ext>
-    </p:extLst>
-  </p:cSld>
-  <p:clrMapOvr>
-    <a:masterClrMapping/>
-  </p:clrMapOvr>
-  <p:timing>
-    <p:tnLst>
-      <p:par>
-        <p:cTn id="1" dur="indefinite" restart="never" nodeType="tmRoot"/>
-      </p:par>
-    </p:tnLst>
-  </p:timing>
-</p:sld>
-</file>
-
-<file path=ppt/slides/slide12.xml><?xml version="1.0" encoding="utf-8"?>
-<p:sld xmlns:a="http://schemas.openxmlformats.org/drawingml/2006/main" xmlns:r="http://schemas.openxmlformats.org/officeDocument/2006/relationships" xmlns:p="http://schemas.openxmlformats.org/presentationml/2006/main">
-  <p:cSld>
-    <p:spTree>
-      <p:nvGrpSpPr>
-        <p:cNvPr id="1" name=""/>
-        <p:cNvGrpSpPr/>
-        <p:nvPr/>
-      </p:nvGrpSpPr>
-      <p:grpSpPr>
-        <a:xfrm>
-          <a:off x="0" y="0"/>
-          <a:ext cx="0" cy="0"/>
-          <a:chOff x="0" y="0"/>
-          <a:chExt cx="0" cy="0"/>
-        </a:xfrm>
-      </p:grpSpPr>
-      <p:pic>
-        <p:nvPicPr>
-          <p:cNvPr id="8" name="Grafik 7"/>
-          <p:cNvPicPr>
-            <a:picLocks noChangeAspect="1"/>
-          </p:cNvPicPr>
-          <p:nvPr/>
-        </p:nvPicPr>
-        <p:blipFill>
-          <a:blip r:embed="rId3">
-            <a:extLst>
-              <a:ext uri="{28A0092B-C50C-407E-A947-70E740481C1C}">
-                <a14:useLocalDpi xmlns:a14="http://schemas.microsoft.com/office/drawing/2010/main" val="0"/>
-              </a:ext>
-            </a:extLst>
-          </a:blip>
-          <a:stretch>
-            <a:fillRect/>
-          </a:stretch>
-        </p:blipFill>
-        <p:spPr>
-          <a:xfrm>
-            <a:off x="319981" y="912552"/>
-            <a:ext cx="4644000" cy="3771981"/>
-          </a:xfrm>
-          <a:prstGeom prst="rect">
-            <a:avLst/>
-          </a:prstGeom>
-        </p:spPr>
-      </p:pic>
-    </p:spTree>
-    <p:extLst>
-      <p:ext uri="{BB962C8B-B14F-4D97-AF65-F5344CB8AC3E}">
-        <p14:creationId xmlns:p14="http://schemas.microsoft.com/office/powerpoint/2010/main" val="360289975"/>
-      </p:ext>
-    </p:extLst>
-  </p:cSld>
-  <p:clrMapOvr>
-    <a:masterClrMapping/>
-  </p:clrMapOvr>
-  <p:timing>
-    <p:tnLst>
-      <p:par>
-        <p:cTn id="1" dur="indefinite" restart="never" nodeType="tmRoot"/>
-      </p:par>
-    </p:tnLst>
-  </p:timing>
-</p:sld>
-</file>
-
-<file path=ppt/slides/slide13.xml><?xml version="1.0" encoding="utf-8"?>
-<p:sld xmlns:a="http://schemas.openxmlformats.org/drawingml/2006/main" xmlns:r="http://schemas.openxmlformats.org/officeDocument/2006/relationships" xmlns:p="http://schemas.openxmlformats.org/presentationml/2006/main">
-  <p:cSld>
-    <p:spTree>
-      <p:nvGrpSpPr>
-        <p:cNvPr id="1" name=""/>
-        <p:cNvGrpSpPr/>
-        <p:nvPr/>
-      </p:nvGrpSpPr>
-      <p:grpSpPr>
-        <a:xfrm>
-          <a:off x="0" y="0"/>
-          <a:ext cx="0" cy="0"/>
-          <a:chOff x="0" y="0"/>
-          <a:chExt cx="0" cy="0"/>
-        </a:xfrm>
-      </p:grpSpPr>
-      <p:pic>
-        <p:nvPicPr>
-          <p:cNvPr id="7" name="Grafik 6"/>
-          <p:cNvPicPr>
-            <a:picLocks noChangeAspect="1"/>
-          </p:cNvPicPr>
-          <p:nvPr/>
-        </p:nvPicPr>
-        <p:blipFill>
-          <a:blip r:embed="rId3">
-            <a:extLst>
-              <a:ext uri="{28A0092B-C50C-407E-A947-70E740481C1C}">
-                <a14:useLocalDpi xmlns:a14="http://schemas.microsoft.com/office/drawing/2010/main" val="0"/>
-              </a:ext>
-            </a:extLst>
-          </a:blip>
-          <a:stretch>
-            <a:fillRect/>
-          </a:stretch>
-        </p:blipFill>
-        <p:spPr>
-          <a:xfrm>
-            <a:off x="352207" y="926755"/>
-            <a:ext cx="6228000" cy="3769050"/>
-          </a:xfrm>
-          <a:prstGeom prst="rect">
-            <a:avLst/>
-          </a:prstGeom>
-        </p:spPr>
-      </p:pic>
-    </p:spTree>
-    <p:extLst>
-      <p:ext uri="{BB962C8B-B14F-4D97-AF65-F5344CB8AC3E}">
-        <p14:creationId xmlns:p14="http://schemas.microsoft.com/office/powerpoint/2010/main" val="2983443562"/>
-      </p:ext>
-    </p:extLst>
-  </p:cSld>
-  <p:clrMapOvr>
-    <a:masterClrMapping/>
-  </p:clrMapOvr>
-  <p:timing>
-    <p:tnLst>
-      <p:par>
-        <p:cTn id="1" dur="indefinite" restart="never" nodeType="tmRoot"/>
-      </p:par>
-    </p:tnLst>
-  </p:timing>
-</p:sld>
-</file>
-
-<file path=ppt/slides/slide14.xml><?xml version="1.0" encoding="utf-8"?>
-<p:sld xmlns:a="http://schemas.openxmlformats.org/drawingml/2006/main" xmlns:r="http://schemas.openxmlformats.org/officeDocument/2006/relationships" xmlns:p="http://schemas.openxmlformats.org/presentationml/2006/main">
-  <p:cSld>
-    <p:spTree>
-      <p:nvGrpSpPr>
-        <p:cNvPr id="1" name=""/>
-        <p:cNvGrpSpPr/>
-        <p:nvPr/>
-      </p:nvGrpSpPr>
-      <p:grpSpPr>
-        <a:xfrm>
-          <a:off x="0" y="0"/>
-          <a:ext cx="0" cy="0"/>
-          <a:chOff x="0" y="0"/>
-          <a:chExt cx="0" cy="0"/>
-        </a:xfrm>
-      </p:grpSpPr>
-      <p:pic>
-        <p:nvPicPr>
-          <p:cNvPr id="5" name="Grafik 4"/>
-          <p:cNvPicPr>
-            <a:picLocks noChangeAspect="1"/>
-          </p:cNvPicPr>
-          <p:nvPr/>
-        </p:nvPicPr>
-        <p:blipFill>
-          <a:blip r:embed="rId3">
-            <a:extLst>
-              <a:ext uri="{28A0092B-C50C-407E-A947-70E740481C1C}">
-                <a14:useLocalDpi xmlns:a14="http://schemas.microsoft.com/office/drawing/2010/main" val="0"/>
-              </a:ext>
-            </a:extLst>
-          </a:blip>
-          <a:stretch>
-            <a:fillRect/>
-          </a:stretch>
-        </p:blipFill>
-        <p:spPr>
-          <a:xfrm>
-            <a:off x="346114" y="949889"/>
-            <a:ext cx="6228000" cy="5066511"/>
-          </a:xfrm>
-          <a:prstGeom prst="rect">
-            <a:avLst/>
-          </a:prstGeom>
-        </p:spPr>
-      </p:pic>
-    </p:spTree>
-    <p:extLst>
-      <p:ext uri="{BB962C8B-B14F-4D97-AF65-F5344CB8AC3E}">
-        <p14:creationId xmlns:p14="http://schemas.microsoft.com/office/powerpoint/2010/main" val="3094491654"/>
-      </p:ext>
-    </p:extLst>
-  </p:cSld>
-  <p:clrMapOvr>
-    <a:masterClrMapping/>
-  </p:clrMapOvr>
-  <p:timing>
-    <p:tnLst>
-      <p:par>
-        <p:cTn id="1" dur="indefinite" restart="never" nodeType="tmRoot"/>
-      </p:par>
-    </p:tnLst>
-  </p:timing>
-</p:sld>
-</file>
-
-<file path=ppt/slides/slide15.xml><?xml version="1.0" encoding="utf-8"?>
-<p:sld xmlns:a="http://schemas.openxmlformats.org/drawingml/2006/main" xmlns:r="http://schemas.openxmlformats.org/officeDocument/2006/relationships" xmlns:p="http://schemas.openxmlformats.org/presentationml/2006/main">
-  <p:cSld>
-    <p:spTree>
-      <p:nvGrpSpPr>
-        <p:cNvPr id="1" name=""/>
-        <p:cNvGrpSpPr/>
-        <p:nvPr/>
-      </p:nvGrpSpPr>
-      <p:grpSpPr>
-        <a:xfrm>
-          <a:off x="0" y="0"/>
-          <a:ext cx="0" cy="0"/>
-          <a:chOff x="0" y="0"/>
-          <a:chExt cx="0" cy="0"/>
-        </a:xfrm>
-      </p:grpSpPr>
-      <p:pic>
-        <p:nvPicPr>
-          <p:cNvPr id="4" name="Grafik 3"/>
-          <p:cNvPicPr>
-            <a:picLocks noChangeAspect="1"/>
-          </p:cNvPicPr>
-          <p:nvPr/>
-        </p:nvPicPr>
-        <p:blipFill>
-          <a:blip r:embed="rId3">
-            <a:extLst>
-              <a:ext uri="{28A0092B-C50C-407E-A947-70E740481C1C}">
-                <a14:useLocalDpi xmlns:a14="http://schemas.microsoft.com/office/drawing/2010/main" val="0"/>
-              </a:ext>
-            </a:extLst>
-          </a:blip>
-          <a:stretch>
-            <a:fillRect/>
-          </a:stretch>
-        </p:blipFill>
-        <p:spPr>
-          <a:xfrm>
-            <a:off x="336566" y="-265454"/>
-            <a:ext cx="6228000" cy="6127546"/>
-          </a:xfrm>
-          <a:prstGeom prst="rect">
-            <a:avLst/>
-          </a:prstGeom>
-        </p:spPr>
-      </p:pic>
-    </p:spTree>
-    <p:extLst>
-      <p:ext uri="{BB962C8B-B14F-4D97-AF65-F5344CB8AC3E}">
-        <p14:creationId xmlns:p14="http://schemas.microsoft.com/office/powerpoint/2010/main" val="2610746931"/>
-      </p:ext>
-    </p:extLst>
-  </p:cSld>
-  <p:clrMapOvr>
-    <a:masterClrMapping/>
-  </p:clrMapOvr>
-  <p:timing>
-    <p:tnLst>
-      <p:par>
-        <p:cTn id="1" dur="indefinite" restart="never" nodeType="tmRoot"/>
-      </p:par>
-    </p:tnLst>
-  </p:timing>
-</p:sld>
-</file>
-
-<file path=ppt/slides/slide16.xml><?xml version="1.0" encoding="utf-8"?>
-<p:sld xmlns:a="http://schemas.openxmlformats.org/drawingml/2006/main" xmlns:r="http://schemas.openxmlformats.org/officeDocument/2006/relationships" xmlns:p="http://schemas.openxmlformats.org/presentationml/2006/main">
-  <p:cSld>
-    <p:spTree>
-      <p:nvGrpSpPr>
-        <p:cNvPr id="1" name=""/>
-        <p:cNvGrpSpPr/>
-        <p:nvPr/>
-      </p:nvGrpSpPr>
-      <p:grpSpPr>
-        <a:xfrm>
-          <a:off x="0" y="0"/>
-          <a:ext cx="0" cy="0"/>
-          <a:chOff x="0" y="0"/>
-          <a:chExt cx="0" cy="0"/>
-        </a:xfrm>
-      </p:grpSpPr>
-      <p:pic>
-        <p:nvPicPr>
-          <p:cNvPr id="3" name="Inhaltsplatzhalter 5"/>
-          <p:cNvPicPr>
-            <a:picLocks noChangeAspect="1"/>
-          </p:cNvPicPr>
-          <p:nvPr/>
-        </p:nvPicPr>
-        <p:blipFill>
-          <a:blip r:embed="rId3">
-            <a:extLst>
-              <a:ext uri="{28A0092B-C50C-407E-A947-70E740481C1C}">
-                <a14:useLocalDpi xmlns:a14="http://schemas.microsoft.com/office/drawing/2010/main" val="0"/>
-              </a:ext>
-            </a:extLst>
-          </a:blip>
-          <a:stretch>
-            <a:fillRect/>
-          </a:stretch>
-        </p:blipFill>
-        <p:spPr>
-          <a:xfrm>
-            <a:off x="365056" y="934541"/>
-            <a:ext cx="7740000" cy="4907319"/>
-          </a:xfrm>
-          <a:prstGeom prst="rect">
-            <a:avLst/>
-          </a:prstGeom>
-        </p:spPr>
-      </p:pic>
-    </p:spTree>
-    <p:extLst>
-      <p:ext uri="{BB962C8B-B14F-4D97-AF65-F5344CB8AC3E}">
-        <p14:creationId xmlns:p14="http://schemas.microsoft.com/office/powerpoint/2010/main" val="424889356"/>
-      </p:ext>
-    </p:extLst>
-  </p:cSld>
-  <p:clrMapOvr>
-    <a:masterClrMapping/>
-  </p:clrMapOvr>
-  <p:timing>
-    <p:tnLst>
-      <p:par>
-        <p:cTn id="1" dur="indefinite" restart="never" nodeType="tmRoot"/>
-      </p:par>
-    </p:tnLst>
-  </p:timing>
-</p:sld>
-</file>
-
-<file path=ppt/slides/slide17.xml><?xml version="1.0" encoding="utf-8"?>
-<p:sld xmlns:a="http://schemas.openxmlformats.org/drawingml/2006/main" xmlns:r="http://schemas.openxmlformats.org/officeDocument/2006/relationships" xmlns:p="http://schemas.openxmlformats.org/presentationml/2006/main">
-  <p:cSld>
-    <p:spTree>
-      <p:nvGrpSpPr>
-        <p:cNvPr id="1" name=""/>
-        <p:cNvGrpSpPr/>
-        <p:nvPr/>
-      </p:nvGrpSpPr>
-      <p:grpSpPr>
-        <a:xfrm>
-          <a:off x="0" y="0"/>
-          <a:ext cx="0" cy="0"/>
-          <a:chOff x="0" y="0"/>
-          <a:chExt cx="0" cy="0"/>
-        </a:xfrm>
-      </p:grpSpPr>
-      <p:pic>
-        <p:nvPicPr>
-          <p:cNvPr id="6" name="Inhaltsplatzhalter 5"/>
-          <p:cNvPicPr>
-            <a:picLocks noGrp="1" noChangeAspect="1"/>
-          </p:cNvPicPr>
-          <p:nvPr>
-            <p:ph idx="1"/>
-          </p:nvPr>
-        </p:nvPicPr>
-        <p:blipFill>
-          <a:blip r:embed="rId3">
-            <a:extLst>
-              <a:ext uri="{28A0092B-C50C-407E-A947-70E740481C1C}">
-                <a14:useLocalDpi xmlns:a14="http://schemas.microsoft.com/office/drawing/2010/main" val="0"/>
-              </a:ext>
-            </a:extLst>
-          </a:blip>
-          <a:stretch>
-            <a:fillRect/>
-          </a:stretch>
-        </p:blipFill>
-        <p:spPr>
-          <a:xfrm>
-            <a:off x="360000" y="-19935"/>
-            <a:ext cx="7979043" cy="6877936"/>
-          </a:xfrm>
-        </p:spPr>
-      </p:pic>
-    </p:spTree>
-    <p:extLst>
-      <p:ext uri="{BB962C8B-B14F-4D97-AF65-F5344CB8AC3E}">
-        <p14:creationId xmlns:p14="http://schemas.microsoft.com/office/powerpoint/2010/main" val="29999558"/>
-      </p:ext>
-    </p:extLst>
-  </p:cSld>
-  <p:clrMapOvr>
-    <a:masterClrMapping/>
-  </p:clrMapOvr>
-  <p:timing>
-    <p:tnLst>
-      <p:par>
-        <p:cTn id="1" dur="indefinite" restart="never" nodeType="tmRoot"/>
-      </p:par>
-    </p:tnLst>
-  </p:timing>
-</p:sld>
-</file>
-
-<file path=ppt/slides/slide18.xml><?xml version="1.0" encoding="utf-8"?>
-<p:sld xmlns:a="http://schemas.openxmlformats.org/drawingml/2006/main" xmlns:r="http://schemas.openxmlformats.org/officeDocument/2006/relationships" xmlns:p="http://schemas.openxmlformats.org/presentationml/2006/main">
-  <p:cSld>
-    <p:spTree>
-      <p:nvGrpSpPr>
-        <p:cNvPr id="1" name=""/>
-        <p:cNvGrpSpPr/>
-        <p:nvPr/>
-      </p:nvGrpSpPr>
-      <p:grpSpPr>
-        <a:xfrm>
-          <a:off x="0" y="0"/>
-          <a:ext cx="0" cy="0"/>
-          <a:chOff x="0" y="0"/>
-          <a:chExt cx="0" cy="0"/>
-        </a:xfrm>
-      </p:grpSpPr>
-      <p:pic>
-        <p:nvPicPr>
-          <p:cNvPr id="7" name="Grafik 6"/>
-          <p:cNvPicPr>
-            <a:picLocks noChangeAspect="1"/>
-          </p:cNvPicPr>
-          <p:nvPr/>
-        </p:nvPicPr>
-        <p:blipFill>
-          <a:blip r:embed="rId3">
-            <a:extLst>
-              <a:ext uri="{28A0092B-C50C-407E-A947-70E740481C1C}">
-                <a14:useLocalDpi xmlns:a14="http://schemas.microsoft.com/office/drawing/2010/main" val="0"/>
-              </a:ext>
-            </a:extLst>
-          </a:blip>
-          <a:stretch>
-            <a:fillRect/>
-          </a:stretch>
-        </p:blipFill>
-        <p:spPr>
-          <a:xfrm>
-            <a:off x="360000" y="1080000"/>
-            <a:ext cx="8784000" cy="4660898"/>
-          </a:xfrm>
-          <a:prstGeom prst="rect">
-            <a:avLst/>
-          </a:prstGeom>
-        </p:spPr>
-      </p:pic>
-    </p:spTree>
-    <p:extLst>
-      <p:ext uri="{BB962C8B-B14F-4D97-AF65-F5344CB8AC3E}">
-        <p14:creationId xmlns:p14="http://schemas.microsoft.com/office/powerpoint/2010/main" val="1464303451"/>
-      </p:ext>
-    </p:extLst>
-  </p:cSld>
-  <p:clrMapOvr>
-    <a:masterClrMapping/>
-  </p:clrMapOvr>
-  <p:timing>
-    <p:tnLst>
-      <p:par>
-        <p:cTn id="1" dur="indefinite" restart="never" nodeType="tmRoot"/>
-      </p:par>
-    </p:tnLst>
-  </p:timing>
-</p:sld>
-</file>
-
-<file path=ppt/slides/slide19.xml><?xml version="1.0" encoding="utf-8"?>
-<p:sld xmlns:a="http://schemas.openxmlformats.org/drawingml/2006/main" xmlns:r="http://schemas.openxmlformats.org/officeDocument/2006/relationships" xmlns:p="http://schemas.openxmlformats.org/presentationml/2006/main">
-  <p:cSld>
-    <p:spTree>
-      <p:nvGrpSpPr>
-        <p:cNvPr id="1" name=""/>
-        <p:cNvGrpSpPr/>
-        <p:nvPr/>
-      </p:nvGrpSpPr>
-      <p:grpSpPr>
-        <a:xfrm>
-          <a:off x="0" y="0"/>
-          <a:ext cx="0" cy="0"/>
-          <a:chOff x="0" y="0"/>
-          <a:chExt cx="0" cy="0"/>
-        </a:xfrm>
-      </p:grpSpPr>
-      <p:sp>
-        <p:nvSpPr>
-          <p:cNvPr id="2" name="Titel 1"/>
-          <p:cNvSpPr>
-            <a:spLocks noGrp="1"/>
-          </p:cNvSpPr>
-          <p:nvPr>
-            <p:ph type="title"/>
-          </p:nvPr>
-        </p:nvSpPr>
-        <p:spPr/>
-        <p:txBody>
-          <a:bodyPr/>
-          <a:lstStyle/>
-          <a:p>
-            <a:r>
-              <a:rPr lang="de-DE" dirty="0" err="1" smtClean="0"/>
-              <a:t>Branching</a:t>
-            </a:r>
-            <a:endParaRPr lang="de-DE" dirty="0"/>
-          </a:p>
-        </p:txBody>
-      </p:sp>
-      <p:pic>
-        <p:nvPicPr>
-          <p:cNvPr id="4" name="Inhaltsplatzhalter 3"/>
-          <p:cNvPicPr>
-            <a:picLocks noGrp="1" noChangeAspect="1"/>
-          </p:cNvPicPr>
-          <p:nvPr>
-            <p:ph idx="1"/>
-          </p:nvPr>
-        </p:nvPicPr>
-        <p:blipFill>
-          <a:blip r:embed="rId2">
-            <a:extLst>
-              <a:ext uri="{28A0092B-C50C-407E-A947-70E740481C1C}">
-                <a14:useLocalDpi xmlns:a14="http://schemas.microsoft.com/office/drawing/2010/main" val="0"/>
-              </a:ext>
-            </a:extLst>
-          </a:blip>
-          <a:stretch>
-            <a:fillRect/>
-          </a:stretch>
-        </p:blipFill>
-        <p:spPr>
-          <a:xfrm>
-            <a:off x="350871" y="1553400"/>
-            <a:ext cx="8442258" cy="4795203"/>
-          </a:xfrm>
-        </p:spPr>
-      </p:pic>
-    </p:spTree>
-    <p:extLst>
-      <p:ext uri="{BB962C8B-B14F-4D97-AF65-F5344CB8AC3E}">
-        <p14:creationId xmlns:p14="http://schemas.microsoft.com/office/powerpoint/2010/main" val="2616868639"/>
-      </p:ext>
-    </p:extLst>
-  </p:cSld>
-  <p:clrMapOvr>
-    <a:masterClrMapping/>
-  </p:clrMapOvr>
-</p:sld>
-</file>
-
 <file path=ppt/slides/slide2.xml><?xml version="1.0" encoding="utf-8"?>
 <p:sld xmlns:a="http://schemas.openxmlformats.org/drawingml/2006/main" xmlns:r="http://schemas.openxmlformats.org/officeDocument/2006/relationships" xmlns:p="http://schemas.openxmlformats.org/presentationml/2006/main">
   <p:cSld>
@@ -9986,220 +7724,6 @@
       </p:par>
     </p:tnLst>
   </p:timing>
-</p:sld>
-</file>
-
-<file path=ppt/slides/slide20.xml><?xml version="1.0" encoding="utf-8"?>
-<p:sld xmlns:a="http://schemas.openxmlformats.org/drawingml/2006/main" xmlns:r="http://schemas.openxmlformats.org/officeDocument/2006/relationships" xmlns:p="http://schemas.openxmlformats.org/presentationml/2006/main">
-  <p:cSld>
-    <p:spTree>
-      <p:nvGrpSpPr>
-        <p:cNvPr id="1" name=""/>
-        <p:cNvGrpSpPr/>
-        <p:nvPr/>
-      </p:nvGrpSpPr>
-      <p:grpSpPr>
-        <a:xfrm>
-          <a:off x="0" y="0"/>
-          <a:ext cx="0" cy="0"/>
-          <a:chOff x="0" y="0"/>
-          <a:chExt cx="0" cy="0"/>
-        </a:xfrm>
-      </p:grpSpPr>
-      <p:sp>
-        <p:nvSpPr>
-          <p:cNvPr id="2" name="Titel 1"/>
-          <p:cNvSpPr>
-            <a:spLocks noGrp="1"/>
-          </p:cNvSpPr>
-          <p:nvPr>
-            <p:ph type="title"/>
-          </p:nvPr>
-        </p:nvSpPr>
-        <p:spPr/>
-        <p:txBody>
-          <a:bodyPr/>
-          <a:lstStyle/>
-          <a:p>
-            <a:r>
-              <a:rPr lang="de-DE" dirty="0" smtClean="0"/>
-              <a:t>Remote </a:t>
-            </a:r>
-            <a:r>
-              <a:rPr lang="de-DE" dirty="0" err="1" smtClean="0"/>
-              <a:t>Branches</a:t>
-            </a:r>
-            <a:endParaRPr lang="de-DE" dirty="0"/>
-          </a:p>
-        </p:txBody>
-      </p:sp>
-      <p:pic>
-        <p:nvPicPr>
-          <p:cNvPr id="4" name="Inhaltsplatzhalter 3"/>
-          <p:cNvPicPr>
-            <a:picLocks noGrp="1" noChangeAspect="1"/>
-          </p:cNvPicPr>
-          <p:nvPr>
-            <p:ph idx="1"/>
-          </p:nvPr>
-        </p:nvPicPr>
-        <p:blipFill>
-          <a:blip r:embed="rId3">
-            <a:extLst>
-              <a:ext uri="{28A0092B-C50C-407E-A947-70E740481C1C}">
-                <a14:useLocalDpi xmlns:a14="http://schemas.microsoft.com/office/drawing/2010/main" val="0"/>
-              </a:ext>
-            </a:extLst>
-          </a:blip>
-          <a:stretch>
-            <a:fillRect/>
-          </a:stretch>
-        </p:blipFill>
-        <p:spPr>
-          <a:xfrm>
-            <a:off x="1800921" y="1288614"/>
-            <a:ext cx="5542159" cy="5353726"/>
-          </a:xfrm>
-        </p:spPr>
-      </p:pic>
-    </p:spTree>
-    <p:extLst>
-      <p:ext uri="{BB962C8B-B14F-4D97-AF65-F5344CB8AC3E}">
-        <p14:creationId xmlns:p14="http://schemas.microsoft.com/office/powerpoint/2010/main" val="852652799"/>
-      </p:ext>
-    </p:extLst>
-  </p:cSld>
-  <p:clrMapOvr>
-    <a:masterClrMapping/>
-  </p:clrMapOvr>
-</p:sld>
-</file>
-
-<file path=ppt/slides/slide21.xml><?xml version="1.0" encoding="utf-8"?>
-<p:sld xmlns:a="http://schemas.openxmlformats.org/drawingml/2006/main" xmlns:r="http://schemas.openxmlformats.org/officeDocument/2006/relationships" xmlns:p="http://schemas.openxmlformats.org/presentationml/2006/main">
-  <p:cSld>
-    <p:spTree>
-      <p:nvGrpSpPr>
-        <p:cNvPr id="1" name=""/>
-        <p:cNvGrpSpPr/>
-        <p:nvPr/>
-      </p:nvGrpSpPr>
-      <p:grpSpPr>
-        <a:xfrm>
-          <a:off x="0" y="0"/>
-          <a:ext cx="0" cy="0"/>
-          <a:chOff x="0" y="0"/>
-          <a:chExt cx="0" cy="0"/>
-        </a:xfrm>
-      </p:grpSpPr>
-      <p:sp>
-        <p:nvSpPr>
-          <p:cNvPr id="2" name="Titel 1"/>
-          <p:cNvSpPr>
-            <a:spLocks noGrp="1"/>
-          </p:cNvSpPr>
-          <p:nvPr>
-            <p:ph type="title"/>
-          </p:nvPr>
-        </p:nvSpPr>
-        <p:spPr/>
-        <p:txBody>
-          <a:bodyPr/>
-          <a:lstStyle/>
-          <a:p>
-            <a:r>
-              <a:rPr lang="de-DE" dirty="0" smtClean="0"/>
-              <a:t>Workflow</a:t>
-            </a:r>
-            <a:endParaRPr lang="de-DE" dirty="0"/>
-          </a:p>
-        </p:txBody>
-      </p:sp>
-      <p:sp>
-        <p:nvSpPr>
-          <p:cNvPr id="3" name="Inhaltsplatzhalter 2"/>
-          <p:cNvSpPr>
-            <a:spLocks noGrp="1"/>
-          </p:cNvSpPr>
-          <p:nvPr>
-            <p:ph idx="1"/>
-          </p:nvPr>
-        </p:nvSpPr>
-        <p:spPr/>
-        <p:txBody>
-          <a:bodyPr/>
-          <a:lstStyle/>
-          <a:p>
-            <a:r>
-              <a:rPr lang="de-DE" dirty="0" smtClean="0"/>
-              <a:t>zentralisierte Methode</a:t>
-            </a:r>
-            <a:endParaRPr lang="de-DE" dirty="0"/>
-          </a:p>
-        </p:txBody>
-      </p:sp>
-      <p:graphicFrame>
-        <p:nvGraphicFramePr>
-          <p:cNvPr id="4" name="Diagramm 3"/>
-          <p:cNvGraphicFramePr/>
-          <p:nvPr>
-            <p:extLst>
-              <p:ext uri="{D42A27DB-BD31-4B8C-83A1-F6EECF244321}">
-                <p14:modId xmlns:p14="http://schemas.microsoft.com/office/powerpoint/2010/main" val="2303686587"/>
-              </p:ext>
-            </p:extLst>
-          </p:nvPr>
-        </p:nvGraphicFramePr>
-        <p:xfrm>
-          <a:off x="235789" y="5623945"/>
-          <a:ext cx="8672423" cy="1018395"/>
-        </p:xfrm>
-        <a:graphic>
-          <a:graphicData uri="http://schemas.openxmlformats.org/drawingml/2006/diagram">
-            <dgm:relIds xmlns:dgm="http://schemas.openxmlformats.org/drawingml/2006/diagram" xmlns:r="http://schemas.openxmlformats.org/officeDocument/2006/relationships" r:dm="rId3" r:lo="rId4" r:qs="rId5" r:cs="rId6"/>
-          </a:graphicData>
-        </a:graphic>
-      </p:graphicFrame>
-      <p:pic>
-        <p:nvPicPr>
-          <p:cNvPr id="5" name="Grafik 4"/>
-          <p:cNvPicPr>
-            <a:picLocks noChangeAspect="1"/>
-          </p:cNvPicPr>
-          <p:nvPr/>
-        </p:nvPicPr>
-        <p:blipFill>
-          <a:blip r:embed="rId8">
-            <a:extLst>
-              <a:ext uri="{28A0092B-C50C-407E-A947-70E740481C1C}">
-                <a14:useLocalDpi xmlns:a14="http://schemas.microsoft.com/office/drawing/2010/main" val="0"/>
-              </a:ext>
-            </a:extLst>
-          </a:blip>
-          <a:stretch>
-            <a:fillRect/>
-          </a:stretch>
-        </p:blipFill>
-        <p:spPr>
-          <a:xfrm>
-            <a:off x="1459365" y="2218488"/>
-            <a:ext cx="6225270" cy="3112635"/>
-          </a:xfrm>
-          <a:prstGeom prst="rect">
-            <a:avLst/>
-          </a:prstGeom>
-        </p:spPr>
-      </p:pic>
-    </p:spTree>
-    <p:extLst>
-      <p:ext uri="{BB962C8B-B14F-4D97-AF65-F5344CB8AC3E}">
-        <p14:creationId xmlns:p14="http://schemas.microsoft.com/office/powerpoint/2010/main" val="2800167098"/>
-      </p:ext>
-    </p:extLst>
-  </p:cSld>
-  <p:clrMapOvr>
-    <a:masterClrMapping/>
-  </p:clrMapOvr>
 </p:sld>
 </file>
 
@@ -10321,14 +7845,12 @@
         </p:nvSpPr>
         <p:spPr/>
         <p:txBody>
-          <a:bodyPr>
-            <a:normAutofit/>
-          </a:bodyPr>
+          <a:bodyPr/>
           <a:lstStyle/>
           <a:p>
             <a:r>
               <a:rPr lang="de-DE" dirty="0" smtClean="0"/>
-              <a:t>Snapshots</a:t>
+              <a:t>Bestandteile</a:t>
             </a:r>
             <a:endParaRPr lang="de-DE" dirty="0"/>
           </a:p>
@@ -10338,13 +7860,11 @@
         <p:nvPicPr>
           <p:cNvPr id="4" name="Inhaltsplatzhalter 3"/>
           <p:cNvPicPr>
-            <a:picLocks noGrp="1" noChangeAspect="1"/>
+            <a:picLocks noChangeAspect="1"/>
           </p:cNvPicPr>
-          <p:nvPr>
-            <p:ph idx="1"/>
-          </p:nvPr>
+          <p:nvPr/>
         </p:nvPicPr>
-        <p:blipFill>
+        <p:blipFill rotWithShape="1">
           <a:blip r:embed="rId3">
             <a:extLst>
               <a:ext uri="{28A0092B-C50C-407E-A947-70E740481C1C}">
@@ -10352,21 +7872,23 @@
               </a:ext>
             </a:extLst>
           </a:blip>
-          <a:stretch>
-            <a:fillRect/>
-          </a:stretch>
+          <a:srcRect t="11335"/>
+          <a:stretch/>
         </p:blipFill>
         <p:spPr>
           <a:xfrm>
-            <a:off x="414452" y="1988840"/>
-            <a:ext cx="8315096" cy="3691902"/>
+            <a:off x="1328714" y="1371600"/>
+            <a:ext cx="6486573" cy="5291248"/>
           </a:xfrm>
+          <a:prstGeom prst="rect">
+            <a:avLst/>
+          </a:prstGeom>
         </p:spPr>
       </p:pic>
     </p:spTree>
     <p:extLst>
       <p:ext uri="{BB962C8B-B14F-4D97-AF65-F5344CB8AC3E}">
-        <p14:creationId xmlns:p14="http://schemas.microsoft.com/office/powerpoint/2010/main" val="3787190349"/>
+        <p14:creationId xmlns:p14="http://schemas.microsoft.com/office/powerpoint/2010/main" val="3271181871"/>
       </p:ext>
     </p:extLst>
   </p:cSld>
@@ -10412,14 +7934,12 @@
         </p:nvSpPr>
         <p:spPr/>
         <p:txBody>
-          <a:bodyPr>
-            <a:normAutofit/>
-          </a:bodyPr>
+          <a:bodyPr/>
           <a:lstStyle/>
           <a:p>
             <a:r>
-              <a:rPr lang="de-DE" dirty="0" smtClean="0"/>
-              <a:t>Bereiche</a:t>
+              <a:rPr lang="de-DE" dirty="0" err="1" smtClean="0"/>
+              <a:t>Branches</a:t>
             </a:r>
             <a:endParaRPr lang="de-DE" dirty="0"/>
           </a:p>
@@ -10435,7 +7955,7 @@
             <p:ph idx="1"/>
           </p:nvPr>
         </p:nvPicPr>
-        <p:blipFill rotWithShape="1">
+        <p:blipFill>
           <a:blip r:embed="rId3">
             <a:extLst>
               <a:ext uri="{28A0092B-C50C-407E-A947-70E740481C1C}">
@@ -10443,20 +7963,21 @@
               </a:ext>
             </a:extLst>
           </a:blip>
-          <a:srcRect t="11335"/>
-          <a:stretch/>
+          <a:stretch>
+            <a:fillRect/>
+          </a:stretch>
         </p:blipFill>
         <p:spPr>
           <a:xfrm>
-            <a:off x="1328714" y="1371600"/>
-            <a:ext cx="6486573" cy="5291248"/>
+            <a:off x="350871" y="1553400"/>
+            <a:ext cx="8442258" cy="4795203"/>
           </a:xfrm>
         </p:spPr>
       </p:pic>
     </p:spTree>
     <p:extLst>
       <p:ext uri="{BB962C8B-B14F-4D97-AF65-F5344CB8AC3E}">
-        <p14:creationId xmlns:p14="http://schemas.microsoft.com/office/powerpoint/2010/main" val="4223852787"/>
+        <p14:creationId xmlns:p14="http://schemas.microsoft.com/office/powerpoint/2010/main" val="4027827155"/>
       </p:ext>
     </p:extLst>
   </p:cSld>
@@ -10507,6 +8028,124 @@
           <a:p>
             <a:r>
               <a:rPr lang="de-DE" dirty="0" smtClean="0"/>
+              <a:t>Weitere Begriffe</a:t>
+            </a:r>
+            <a:endParaRPr lang="de-DE" dirty="0"/>
+          </a:p>
+        </p:txBody>
+      </p:sp>
+      <p:sp>
+        <p:nvSpPr>
+          <p:cNvPr id="3" name="Inhaltsplatzhalter 2"/>
+          <p:cNvSpPr>
+            <a:spLocks noGrp="1"/>
+          </p:cNvSpPr>
+          <p:nvPr>
+            <p:ph idx="1"/>
+          </p:nvPr>
+        </p:nvSpPr>
+        <p:spPr/>
+        <p:txBody>
+          <a:bodyPr/>
+          <a:lstStyle/>
+          <a:p>
+            <a:pPr>
+              <a:lnSpc>
+                <a:spcPct val="150000"/>
+              </a:lnSpc>
+            </a:pPr>
+            <a:r>
+              <a:rPr lang="de-DE" dirty="0" smtClean="0"/>
+              <a:t>commit</a:t>
+            </a:r>
+          </a:p>
+          <a:p>
+            <a:pPr>
+              <a:lnSpc>
+                <a:spcPct val="150000"/>
+              </a:lnSpc>
+            </a:pPr>
+            <a:r>
+              <a:rPr lang="de-DE" dirty="0" smtClean="0"/>
+              <a:t>tag</a:t>
+            </a:r>
+          </a:p>
+          <a:p>
+            <a:pPr>
+              <a:lnSpc>
+                <a:spcPct val="150000"/>
+              </a:lnSpc>
+            </a:pPr>
+            <a:r>
+              <a:rPr lang="de-DE" dirty="0" err="1" smtClean="0"/>
+              <a:t>merge</a:t>
+            </a:r>
+            <a:endParaRPr lang="de-DE" dirty="0" smtClean="0"/>
+          </a:p>
+          <a:p>
+            <a:pPr>
+              <a:lnSpc>
+                <a:spcPct val="150000"/>
+              </a:lnSpc>
+            </a:pPr>
+            <a:endParaRPr lang="de-DE" dirty="0"/>
+          </a:p>
+        </p:txBody>
+      </p:sp>
+    </p:spTree>
+    <p:extLst>
+      <p:ext uri="{BB962C8B-B14F-4D97-AF65-F5344CB8AC3E}">
+        <p14:creationId xmlns:p14="http://schemas.microsoft.com/office/powerpoint/2010/main" val="1777625102"/>
+      </p:ext>
+    </p:extLst>
+  </p:cSld>
+  <p:clrMapOvr>
+    <a:masterClrMapping/>
+  </p:clrMapOvr>
+  <p:timing>
+    <p:tnLst>
+      <p:par>
+        <p:cTn id="1" dur="indefinite" restart="never" nodeType="tmRoot"/>
+      </p:par>
+    </p:tnLst>
+  </p:timing>
+</p:sld>
+</file>
+
+<file path=ppt/slides/slide7.xml><?xml version="1.0" encoding="utf-8"?>
+<p:sld xmlns:a="http://schemas.openxmlformats.org/drawingml/2006/main" xmlns:r="http://schemas.openxmlformats.org/officeDocument/2006/relationships" xmlns:p="http://schemas.openxmlformats.org/presentationml/2006/main">
+  <p:cSld>
+    <p:spTree>
+      <p:nvGrpSpPr>
+        <p:cNvPr id="1" name=""/>
+        <p:cNvGrpSpPr/>
+        <p:nvPr/>
+      </p:nvGrpSpPr>
+      <p:grpSpPr>
+        <a:xfrm>
+          <a:off x="0" y="0"/>
+          <a:ext cx="0" cy="0"/>
+          <a:chOff x="0" y="0"/>
+          <a:chExt cx="0" cy="0"/>
+        </a:xfrm>
+      </p:grpSpPr>
+      <p:sp>
+        <p:nvSpPr>
+          <p:cNvPr id="2" name="Titel 1"/>
+          <p:cNvSpPr>
+            <a:spLocks noGrp="1"/>
+          </p:cNvSpPr>
+          <p:nvPr>
+            <p:ph type="title"/>
+          </p:nvPr>
+        </p:nvSpPr>
+        <p:spPr/>
+        <p:txBody>
+          <a:bodyPr/>
+          <a:lstStyle/>
+          <a:p>
+            <a:r>
+              <a:rPr lang="de-DE" dirty="0" smtClean="0"/>
               <a:t>Dateizustände</a:t>
             </a:r>
             <a:endParaRPr lang="de-DE" dirty="0"/>
@@ -10541,6 +8180,138 @@
           </a:xfrm>
         </p:spPr>
       </p:pic>
+      <p:sp>
+        <p:nvSpPr>
+          <p:cNvPr id="3" name="Rechteck 2"/>
+          <p:cNvSpPr/>
+          <p:nvPr/>
+        </p:nvSpPr>
+        <p:spPr>
+          <a:xfrm rot="683728">
+            <a:off x="2001329" y="3122762"/>
+            <a:ext cx="1224951" cy="690114"/>
+          </a:xfrm>
+          <a:prstGeom prst="rect">
+            <a:avLst/>
+          </a:prstGeom>
+        </p:spPr>
+        <p:style>
+          <a:lnRef idx="2">
+            <a:schemeClr val="accent1">
+              <a:shade val="50000"/>
+            </a:schemeClr>
+          </a:lnRef>
+          <a:fillRef idx="1">
+            <a:schemeClr val="accent1"/>
+          </a:fillRef>
+          <a:effectRef idx="0">
+            <a:schemeClr val="accent1"/>
+          </a:effectRef>
+          <a:fontRef idx="minor">
+            <a:schemeClr val="lt1"/>
+          </a:fontRef>
+        </p:style>
+        <p:txBody>
+          <a:bodyPr rtlCol="0" anchor="ctr"/>
+          <a:lstStyle/>
+          <a:p>
+            <a:pPr algn="ctr"/>
+            <a:r>
+              <a:rPr lang="de-DE" sz="3200" b="1" dirty="0" err="1" smtClean="0"/>
+              <a:t>add</a:t>
+            </a:r>
+            <a:endParaRPr lang="de-DE" sz="3200" b="1" dirty="0"/>
+          </a:p>
+        </p:txBody>
+      </p:sp>
+      <p:sp>
+        <p:nvSpPr>
+          <p:cNvPr id="5" name="Rechteck 4"/>
+          <p:cNvSpPr/>
+          <p:nvPr/>
+        </p:nvSpPr>
+        <p:spPr>
+          <a:xfrm rot="683728">
+            <a:off x="6863752" y="3533954"/>
+            <a:ext cx="1224951" cy="690114"/>
+          </a:xfrm>
+          <a:prstGeom prst="rect">
+            <a:avLst/>
+          </a:prstGeom>
+        </p:spPr>
+        <p:style>
+          <a:lnRef idx="2">
+            <a:schemeClr val="accent1">
+              <a:shade val="50000"/>
+            </a:schemeClr>
+          </a:lnRef>
+          <a:fillRef idx="1">
+            <a:schemeClr val="accent1"/>
+          </a:fillRef>
+          <a:effectRef idx="0">
+            <a:schemeClr val="accent1"/>
+          </a:effectRef>
+          <a:fontRef idx="minor">
+            <a:schemeClr val="lt1"/>
+          </a:fontRef>
+        </p:style>
+        <p:txBody>
+          <a:bodyPr rtlCol="0" anchor="ctr"/>
+          <a:lstStyle/>
+          <a:p>
+            <a:pPr algn="ctr"/>
+            <a:r>
+              <a:rPr lang="de-DE" sz="3200" b="1" dirty="0" err="1" smtClean="0"/>
+              <a:t>add</a:t>
+            </a:r>
+            <a:endParaRPr lang="de-DE" sz="3200" b="1" dirty="0"/>
+          </a:p>
+        </p:txBody>
+      </p:sp>
+      <p:sp>
+        <p:nvSpPr>
+          <p:cNvPr id="6" name="Rechteck 5"/>
+          <p:cNvSpPr/>
+          <p:nvPr/>
+        </p:nvSpPr>
+        <p:spPr>
+          <a:xfrm rot="683728">
+            <a:off x="6238633" y="5351260"/>
+            <a:ext cx="1632527" cy="690114"/>
+          </a:xfrm>
+          <a:prstGeom prst="rect">
+            <a:avLst/>
+          </a:prstGeom>
+        </p:spPr>
+        <p:style>
+          <a:lnRef idx="2">
+            <a:schemeClr val="accent1">
+              <a:shade val="50000"/>
+            </a:schemeClr>
+          </a:lnRef>
+          <a:fillRef idx="1">
+            <a:schemeClr val="accent1"/>
+          </a:fillRef>
+          <a:effectRef idx="0">
+            <a:schemeClr val="accent1"/>
+          </a:effectRef>
+          <a:fontRef idx="minor">
+            <a:schemeClr val="lt1"/>
+          </a:fontRef>
+        </p:style>
+        <p:txBody>
+          <a:bodyPr rtlCol="0" anchor="ctr"/>
+          <a:lstStyle/>
+          <a:p>
+            <a:pPr algn="ctr"/>
+            <a:r>
+              <a:rPr lang="de-DE" sz="3200" b="1" dirty="0" smtClean="0"/>
+              <a:t>commit</a:t>
+            </a:r>
+            <a:endParaRPr lang="de-DE" sz="3200" b="1" dirty="0"/>
+          </a:p>
+        </p:txBody>
+      </p:sp>
     </p:spTree>
     <p:extLst>
       <p:ext uri="{BB962C8B-B14F-4D97-AF65-F5344CB8AC3E}">
@@ -10554,15 +8325,178 @@
   <p:timing>
     <p:tnLst>
       <p:par>
-        <p:cTn id="1" dur="indefinite" restart="never" nodeType="tmRoot"/>
+        <p:cTn id="1" dur="indefinite" restart="never" nodeType="tmRoot">
+          <p:childTnLst>
+            <p:seq concurrent="1" nextAc="seek">
+              <p:cTn id="2" dur="indefinite" nodeType="mainSeq">
+                <p:childTnLst>
+                  <p:par>
+                    <p:cTn id="3" fill="hold">
+                      <p:stCondLst>
+                        <p:cond delay="indefinite"/>
+                      </p:stCondLst>
+                      <p:childTnLst>
+                        <p:par>
+                          <p:cTn id="4" fill="hold">
+                            <p:stCondLst>
+                              <p:cond delay="0"/>
+                            </p:stCondLst>
+                            <p:childTnLst>
+                              <p:par>
+                                <p:cTn id="5" presetID="1" presetClass="entr" presetSubtype="0" fill="hold" grpId="0" nodeType="clickEffect">
+                                  <p:stCondLst>
+                                    <p:cond delay="0"/>
+                                  </p:stCondLst>
+                                  <p:childTnLst>
+                                    <p:set>
+                                      <p:cBhvr>
+                                        <p:cTn id="6" dur="1" fill="hold">
+                                          <p:stCondLst>
+                                            <p:cond delay="0"/>
+                                          </p:stCondLst>
+                                        </p:cTn>
+                                        <p:tgtEl>
+                                          <p:spTgt spid="3"/>
+                                        </p:tgtEl>
+                                        <p:attrNameLst>
+                                          <p:attrName>style.visibility</p:attrName>
+                                        </p:attrNameLst>
+                                      </p:cBhvr>
+                                      <p:to>
+                                        <p:strVal val="visible"/>
+                                      </p:to>
+                                    </p:set>
+                                  </p:childTnLst>
+                                </p:cTn>
+                              </p:par>
+                            </p:childTnLst>
+                          </p:cTn>
+                        </p:par>
+                      </p:childTnLst>
+                    </p:cTn>
+                  </p:par>
+                  <p:par>
+                    <p:cTn id="7" fill="hold">
+                      <p:stCondLst>
+                        <p:cond delay="indefinite"/>
+                      </p:stCondLst>
+                      <p:childTnLst>
+                        <p:par>
+                          <p:cTn id="8" fill="hold">
+                            <p:stCondLst>
+                              <p:cond delay="0"/>
+                            </p:stCondLst>
+                            <p:childTnLst>
+                              <p:par>
+                                <p:cTn id="9" presetID="1" presetClass="entr" presetSubtype="0" fill="hold" grpId="0" nodeType="clickEffect">
+                                  <p:stCondLst>
+                                    <p:cond delay="0"/>
+                                  </p:stCondLst>
+                                  <p:childTnLst>
+                                    <p:set>
+                                      <p:cBhvr>
+                                        <p:cTn id="10" dur="1" fill="hold">
+                                          <p:stCondLst>
+                                            <p:cond delay="0"/>
+                                          </p:stCondLst>
+                                        </p:cTn>
+                                        <p:tgtEl>
+                                          <p:spTgt spid="5"/>
+                                        </p:tgtEl>
+                                        <p:attrNameLst>
+                                          <p:attrName>style.visibility</p:attrName>
+                                        </p:attrNameLst>
+                                      </p:cBhvr>
+                                      <p:to>
+                                        <p:strVal val="visible"/>
+                                      </p:to>
+                                    </p:set>
+                                  </p:childTnLst>
+                                </p:cTn>
+                              </p:par>
+                            </p:childTnLst>
+                          </p:cTn>
+                        </p:par>
+                      </p:childTnLst>
+                    </p:cTn>
+                  </p:par>
+                  <p:par>
+                    <p:cTn id="11" fill="hold">
+                      <p:stCondLst>
+                        <p:cond delay="indefinite"/>
+                      </p:stCondLst>
+                      <p:childTnLst>
+                        <p:par>
+                          <p:cTn id="12" fill="hold">
+                            <p:stCondLst>
+                              <p:cond delay="0"/>
+                            </p:stCondLst>
+                            <p:childTnLst>
+                              <p:par>
+                                <p:cTn id="13" presetID="1" presetClass="entr" presetSubtype="0" fill="hold" grpId="0" nodeType="clickEffect">
+                                  <p:stCondLst>
+                                    <p:cond delay="0"/>
+                                  </p:stCondLst>
+                                  <p:childTnLst>
+                                    <p:set>
+                                      <p:cBhvr>
+                                        <p:cTn id="14" dur="1" fill="hold">
+                                          <p:stCondLst>
+                                            <p:cond delay="0"/>
+                                          </p:stCondLst>
+                                        </p:cTn>
+                                        <p:tgtEl>
+                                          <p:spTgt spid="6"/>
+                                        </p:tgtEl>
+                                        <p:attrNameLst>
+                                          <p:attrName>style.visibility</p:attrName>
+                                        </p:attrNameLst>
+                                      </p:cBhvr>
+                                      <p:to>
+                                        <p:strVal val="visible"/>
+                                      </p:to>
+                                    </p:set>
+                                  </p:childTnLst>
+                                </p:cTn>
+                              </p:par>
+                            </p:childTnLst>
+                          </p:cTn>
+                        </p:par>
+                      </p:childTnLst>
+                    </p:cTn>
+                  </p:par>
+                </p:childTnLst>
+              </p:cTn>
+              <p:prevCondLst>
+                <p:cond evt="onPrev" delay="0">
+                  <p:tgtEl>
+                    <p:sldTgt/>
+                  </p:tgtEl>
+                </p:cond>
+              </p:prevCondLst>
+              <p:nextCondLst>
+                <p:cond evt="onNext" delay="0">
+                  <p:tgtEl>
+                    <p:sldTgt/>
+                  </p:tgtEl>
+                </p:cond>
+              </p:nextCondLst>
+            </p:seq>
+          </p:childTnLst>
+        </p:cTn>
       </p:par>
     </p:tnLst>
+    <p:bldLst>
+      <p:bldP spid="3" grpId="0" animBg="1"/>
+      <p:bldP spid="5" grpId="0" animBg="1"/>
+      <p:bldP spid="6" grpId="0" animBg="1"/>
+    </p:bldLst>
   </p:timing>
 </p:sld>
 </file>
 
-<file path=ppt/slides/slide7.xml><?xml version="1.0" encoding="utf-8"?>
-<p:sld xmlns:a="http://schemas.openxmlformats.org/drawingml/2006/main" xmlns:r="http://schemas.openxmlformats.org/officeDocument/2006/relationships" xmlns:p="http://schemas.openxmlformats.org/presentationml/2006/main" show="0">
+<file path=ppt/slides/slide8.xml><?xml version="1.0" encoding="utf-8"?>
+<p:sld xmlns:a="http://schemas.openxmlformats.org/drawingml/2006/main" xmlns:r="http://schemas.openxmlformats.org/officeDocument/2006/relationships" xmlns:p="http://schemas.openxmlformats.org/presentationml/2006/main">
   <p:cSld>
     <p:spTree>
       <p:nvGrpSpPr>
@@ -10595,7 +8529,7 @@
           <a:p>
             <a:r>
               <a:rPr lang="de-DE" dirty="0" smtClean="0"/>
-              <a:t>Befehle I</a:t>
+              <a:t>Workflow</a:t>
             </a:r>
             <a:endParaRPr lang="de-DE" dirty="0"/>
           </a:p>
@@ -10613,445 +8547,89 @@
         </p:nvSpPr>
         <p:spPr/>
         <p:txBody>
-          <a:bodyPr>
-            <a:normAutofit/>
-          </a:bodyPr>
+          <a:bodyPr/>
           <a:lstStyle/>
           <a:p>
-            <a:pPr>
-              <a:lnSpc>
-                <a:spcPct val="150000"/>
-              </a:lnSpc>
-            </a:pPr>
-            <a:r>
-              <a:rPr lang="de-DE" dirty="0" smtClean="0">
-                <a:latin typeface="Consolas" pitchFamily="49" charset="0"/>
-                <a:cs typeface="Consolas" pitchFamily="49" charset="0"/>
-              </a:rPr>
-              <a:t>git </a:t>
-            </a:r>
-            <a:r>
-              <a:rPr lang="de-DE" dirty="0" err="1" smtClean="0">
-                <a:latin typeface="Consolas" pitchFamily="49" charset="0"/>
-                <a:cs typeface="Consolas" pitchFamily="49" charset="0"/>
-              </a:rPr>
-              <a:t>clone</a:t>
-            </a:r>
-            <a:r>
-              <a:rPr lang="de-DE" dirty="0">
-                <a:latin typeface="Consolas" pitchFamily="49" charset="0"/>
-                <a:cs typeface="Consolas" pitchFamily="49" charset="0"/>
-              </a:rPr>
-              <a:t> </a:t>
-            </a:r>
-            <a:r>
-              <a:rPr lang="de-DE" sz="2000" dirty="0" smtClean="0">
-                <a:latin typeface="Consolas" pitchFamily="49" charset="0"/>
-                <a:cs typeface="Consolas" pitchFamily="49" charset="0"/>
-              </a:rPr>
-              <a:t>&lt;</a:t>
-            </a:r>
-            <a:r>
-              <a:rPr lang="de-DE" sz="2000" dirty="0" err="1" smtClean="0">
-                <a:latin typeface="Consolas" pitchFamily="49" charset="0"/>
-                <a:cs typeface="Consolas" pitchFamily="49" charset="0"/>
-              </a:rPr>
-              <a:t>repository</a:t>
-            </a:r>
-            <a:r>
-              <a:rPr lang="de-DE" sz="2000" dirty="0" smtClean="0">
-                <a:latin typeface="Consolas" pitchFamily="49" charset="0"/>
-                <a:cs typeface="Consolas" pitchFamily="49" charset="0"/>
-              </a:rPr>
-              <a:t>&gt;</a:t>
-            </a:r>
-          </a:p>
-          <a:p>
-            <a:pPr>
-              <a:lnSpc>
-                <a:spcPct val="150000"/>
-              </a:lnSpc>
-            </a:pPr>
-            <a:r>
-              <a:rPr lang="de-DE" dirty="0">
-                <a:latin typeface="Consolas" pitchFamily="49" charset="0"/>
-                <a:cs typeface="Consolas" pitchFamily="49" charset="0"/>
-              </a:rPr>
-              <a:t>git </a:t>
-            </a:r>
-            <a:r>
-              <a:rPr lang="de-DE" dirty="0" err="1" smtClean="0">
-                <a:latin typeface="Consolas" pitchFamily="49" charset="0"/>
-                <a:cs typeface="Consolas" pitchFamily="49" charset="0"/>
-              </a:rPr>
-              <a:t>status</a:t>
-            </a:r>
-            <a:endParaRPr lang="de-DE" dirty="0" smtClean="0">
-              <a:latin typeface="Consolas" pitchFamily="49" charset="0"/>
-              <a:cs typeface="Consolas" pitchFamily="49" charset="0"/>
-            </a:endParaRPr>
-          </a:p>
-          <a:p>
-            <a:pPr>
-              <a:lnSpc>
-                <a:spcPct val="150000"/>
-              </a:lnSpc>
-            </a:pPr>
-            <a:r>
-              <a:rPr lang="de-DE" dirty="0" smtClean="0">
-                <a:latin typeface="Consolas" pitchFamily="49" charset="0"/>
-                <a:cs typeface="Consolas" pitchFamily="49" charset="0"/>
-              </a:rPr>
-              <a:t>git </a:t>
-            </a:r>
-            <a:r>
-              <a:rPr lang="de-DE" dirty="0" err="1" smtClean="0">
-                <a:latin typeface="Consolas" pitchFamily="49" charset="0"/>
-                <a:cs typeface="Consolas" pitchFamily="49" charset="0"/>
-              </a:rPr>
-              <a:t>add</a:t>
-            </a:r>
-            <a:r>
-              <a:rPr lang="de-DE" dirty="0" smtClean="0">
-                <a:latin typeface="Consolas" pitchFamily="49" charset="0"/>
-                <a:cs typeface="Consolas" pitchFamily="49" charset="0"/>
-              </a:rPr>
-              <a:t> </a:t>
-            </a:r>
-            <a:r>
-              <a:rPr lang="de-DE" sz="2000" dirty="0" smtClean="0">
-                <a:latin typeface="Consolas" pitchFamily="49" charset="0"/>
-                <a:cs typeface="Consolas" pitchFamily="49" charset="0"/>
-              </a:rPr>
-              <a:t>&lt;</a:t>
-            </a:r>
-            <a:r>
-              <a:rPr lang="de-DE" sz="2000" dirty="0" err="1" smtClean="0">
-                <a:latin typeface="Consolas" pitchFamily="49" charset="0"/>
-                <a:cs typeface="Consolas" pitchFamily="49" charset="0"/>
-              </a:rPr>
-              <a:t>file</a:t>
-            </a:r>
-            <a:r>
-              <a:rPr lang="de-DE" sz="2000" dirty="0" smtClean="0">
-                <a:latin typeface="Consolas" pitchFamily="49" charset="0"/>
-                <a:cs typeface="Consolas" pitchFamily="49" charset="0"/>
-              </a:rPr>
-              <a:t>&gt;</a:t>
-            </a:r>
-          </a:p>
-          <a:p>
-            <a:pPr>
-              <a:lnSpc>
-                <a:spcPct val="150000"/>
-              </a:lnSpc>
-            </a:pPr>
-            <a:r>
-              <a:rPr lang="de-DE" dirty="0" smtClean="0">
-                <a:latin typeface="Consolas" pitchFamily="49" charset="0"/>
-                <a:cs typeface="Consolas" pitchFamily="49" charset="0"/>
-              </a:rPr>
-              <a:t>git </a:t>
-            </a:r>
-            <a:r>
-              <a:rPr lang="de-DE" dirty="0" err="1" smtClean="0">
-                <a:latin typeface="Consolas" pitchFamily="49" charset="0"/>
-                <a:cs typeface="Consolas" pitchFamily="49" charset="0"/>
-              </a:rPr>
-              <a:t>diff</a:t>
-            </a:r>
-            <a:r>
-              <a:rPr lang="de-DE" dirty="0" smtClean="0">
-                <a:latin typeface="Consolas" pitchFamily="49" charset="0"/>
-                <a:cs typeface="Consolas" pitchFamily="49" charset="0"/>
-              </a:rPr>
-              <a:t> </a:t>
-            </a:r>
-            <a:r>
-              <a:rPr lang="de-DE" sz="2000" dirty="0" smtClean="0">
-                <a:latin typeface="Consolas" pitchFamily="49" charset="0"/>
-                <a:cs typeface="Consolas" pitchFamily="49" charset="0"/>
-              </a:rPr>
-              <a:t>[--</a:t>
-            </a:r>
-            <a:r>
-              <a:rPr lang="de-DE" sz="2000" dirty="0" err="1" smtClean="0">
-                <a:latin typeface="Consolas" pitchFamily="49" charset="0"/>
-                <a:cs typeface="Consolas" pitchFamily="49" charset="0"/>
-              </a:rPr>
-              <a:t>staged</a:t>
-            </a:r>
-            <a:r>
-              <a:rPr lang="de-DE" sz="2000" dirty="0" smtClean="0">
-                <a:latin typeface="Consolas" pitchFamily="49" charset="0"/>
-                <a:cs typeface="Consolas" pitchFamily="49" charset="0"/>
-              </a:rPr>
-              <a:t>]</a:t>
-            </a:r>
-          </a:p>
-          <a:p>
-            <a:pPr>
-              <a:lnSpc>
-                <a:spcPct val="150000"/>
-              </a:lnSpc>
-            </a:pPr>
-            <a:r>
-              <a:rPr lang="en-US" dirty="0" err="1">
-                <a:latin typeface="Consolas" pitchFamily="49" charset="0"/>
-                <a:cs typeface="Consolas" pitchFamily="49" charset="0"/>
-              </a:rPr>
-              <a:t>git</a:t>
-            </a:r>
-            <a:r>
-              <a:rPr lang="en-US" dirty="0">
-                <a:latin typeface="Consolas" pitchFamily="49" charset="0"/>
-                <a:cs typeface="Consolas" pitchFamily="49" charset="0"/>
-              </a:rPr>
-              <a:t> commit </a:t>
-            </a:r>
-            <a:r>
-              <a:rPr lang="en-US" sz="2000" dirty="0" smtClean="0">
-                <a:latin typeface="Consolas" pitchFamily="49" charset="0"/>
-                <a:cs typeface="Consolas" pitchFamily="49" charset="0"/>
-              </a:rPr>
-              <a:t>[-</a:t>
-            </a:r>
-            <a:r>
-              <a:rPr lang="en-US" sz="2000" dirty="0">
-                <a:latin typeface="Consolas" pitchFamily="49" charset="0"/>
-                <a:cs typeface="Consolas" pitchFamily="49" charset="0"/>
-              </a:rPr>
-              <a:t>m </a:t>
-            </a:r>
-            <a:r>
-              <a:rPr lang="en-US" sz="2000" dirty="0" smtClean="0">
-                <a:latin typeface="Consolas" pitchFamily="49" charset="0"/>
-                <a:cs typeface="Consolas" pitchFamily="49" charset="0"/>
-              </a:rPr>
-              <a:t>“message”] [-a]</a:t>
-            </a:r>
-          </a:p>
-          <a:p>
-            <a:pPr>
-              <a:lnSpc>
-                <a:spcPct val="150000"/>
-              </a:lnSpc>
-            </a:pPr>
-            <a:r>
-              <a:rPr lang="en-US" dirty="0" err="1" smtClean="0">
-                <a:latin typeface="Consolas" pitchFamily="49" charset="0"/>
-                <a:cs typeface="Consolas" pitchFamily="49" charset="0"/>
-              </a:rPr>
-              <a:t>git</a:t>
-            </a:r>
-            <a:r>
-              <a:rPr lang="en-US" dirty="0" smtClean="0">
-                <a:latin typeface="Consolas" pitchFamily="49" charset="0"/>
-                <a:cs typeface="Consolas" pitchFamily="49" charset="0"/>
-              </a:rPr>
-              <a:t> </a:t>
-            </a:r>
-            <a:r>
-              <a:rPr lang="en-US" dirty="0" err="1" smtClean="0">
-                <a:latin typeface="Consolas" pitchFamily="49" charset="0"/>
-                <a:cs typeface="Consolas" pitchFamily="49" charset="0"/>
-              </a:rPr>
-              <a:t>rm</a:t>
-            </a:r>
-            <a:r>
-              <a:rPr lang="en-US" dirty="0" smtClean="0">
-                <a:latin typeface="Consolas" pitchFamily="49" charset="0"/>
-                <a:cs typeface="Consolas" pitchFamily="49" charset="0"/>
-              </a:rPr>
-              <a:t> </a:t>
-            </a:r>
-            <a:r>
-              <a:rPr lang="en-US" sz="2000" dirty="0" smtClean="0">
-                <a:latin typeface="Consolas" pitchFamily="49" charset="0"/>
-                <a:cs typeface="Consolas" pitchFamily="49" charset="0"/>
-              </a:rPr>
-              <a:t>[--staged]</a:t>
-            </a:r>
-            <a:r>
-              <a:rPr lang="en-US" dirty="0" smtClean="0">
-                <a:latin typeface="Consolas" pitchFamily="49" charset="0"/>
-                <a:cs typeface="Consolas" pitchFamily="49" charset="0"/>
-              </a:rPr>
-              <a:t> </a:t>
-            </a:r>
-            <a:r>
-              <a:rPr lang="en-US" sz="2000" dirty="0" smtClean="0">
-                <a:latin typeface="Consolas" pitchFamily="49" charset="0"/>
-                <a:cs typeface="Consolas" pitchFamily="49" charset="0"/>
-              </a:rPr>
-              <a:t>&lt;file&gt;</a:t>
-            </a:r>
-            <a:endParaRPr lang="de-DE" sz="3600" dirty="0">
-              <a:latin typeface="Consolas" pitchFamily="49" charset="0"/>
-              <a:cs typeface="Consolas" pitchFamily="49" charset="0"/>
-            </a:endParaRPr>
-          </a:p>
-        </p:txBody>
-      </p:sp>
+            <a:r>
+              <a:rPr lang="de-DE" dirty="0" smtClean="0"/>
+              <a:t>zentralisierte Methode</a:t>
+            </a:r>
+            <a:endParaRPr lang="de-DE" dirty="0"/>
+          </a:p>
+        </p:txBody>
+      </p:sp>
+      <p:graphicFrame>
+        <p:nvGraphicFramePr>
+          <p:cNvPr id="4" name="Diagramm 3"/>
+          <p:cNvGraphicFramePr/>
+          <p:nvPr>
+            <p:extLst>
+              <p:ext uri="{D42A27DB-BD31-4B8C-83A1-F6EECF244321}">
+                <p14:modId xmlns:p14="http://schemas.microsoft.com/office/powerpoint/2010/main" val="2303686587"/>
+              </p:ext>
+            </p:extLst>
+          </p:nvPr>
+        </p:nvGraphicFramePr>
+        <p:xfrm>
+          <a:off x="235789" y="5623945"/>
+          <a:ext cx="8672423" cy="1018395"/>
+        </p:xfrm>
+        <a:graphic>
+          <a:graphicData uri="http://schemas.openxmlformats.org/drawingml/2006/diagram">
+            <dgm:relIds xmlns:dgm="http://schemas.openxmlformats.org/drawingml/2006/diagram" xmlns:r="http://schemas.openxmlformats.org/officeDocument/2006/relationships" r:dm="rId3" r:lo="rId4" r:qs="rId5" r:cs="rId6"/>
+          </a:graphicData>
+        </a:graphic>
+      </p:graphicFrame>
+      <p:pic>
+        <p:nvPicPr>
+          <p:cNvPr id="5" name="Grafik 4"/>
+          <p:cNvPicPr>
+            <a:picLocks noChangeAspect="1"/>
+          </p:cNvPicPr>
+          <p:nvPr/>
+        </p:nvPicPr>
+        <p:blipFill>
+          <a:blip r:embed="rId8">
+            <a:clrChange>
+              <a:clrFrom>
+                <a:srgbClr val="FFFFFF"/>
+              </a:clrFrom>
+              <a:clrTo>
+                <a:srgbClr val="FFFFFF">
+                  <a:alpha val="0"/>
+                </a:srgbClr>
+              </a:clrTo>
+            </a:clrChange>
+            <a:extLst>
+              <a:ext uri="{28A0092B-C50C-407E-A947-70E740481C1C}">
+                <a14:useLocalDpi xmlns:a14="http://schemas.microsoft.com/office/drawing/2010/main" val="0"/>
+              </a:ext>
+            </a:extLst>
+          </a:blip>
+          <a:stretch>
+            <a:fillRect/>
+          </a:stretch>
+        </p:blipFill>
+        <p:spPr>
+          <a:xfrm>
+            <a:off x="1459365" y="2218488"/>
+            <a:ext cx="6225270" cy="3112635"/>
+          </a:xfrm>
+          <a:prstGeom prst="rect">
+            <a:avLst/>
+          </a:prstGeom>
+        </p:spPr>
+      </p:pic>
     </p:spTree>
     <p:extLst>
       <p:ext uri="{BB962C8B-B14F-4D97-AF65-F5344CB8AC3E}">
-        <p14:creationId xmlns:p14="http://schemas.microsoft.com/office/powerpoint/2010/main" val="1223782911"/>
+        <p14:creationId xmlns:p14="http://schemas.microsoft.com/office/powerpoint/2010/main" val="2800167098"/>
       </p:ext>
     </p:extLst>
   </p:cSld>
   <p:clrMapOvr>
     <a:masterClrMapping/>
   </p:clrMapOvr>
-  <mc:AlternateContent xmlns:mc="http://schemas.openxmlformats.org/markup-compatibility/2006">
-    <mc:Choice xmlns:p14="http://schemas.microsoft.com/office/powerpoint/2010/main" Requires="p14">
-      <p:transition spd="slow" p14:dur="2000"/>
-    </mc:Choice>
-    <mc:Fallback>
-      <p:transition spd="slow"/>
-    </mc:Fallback>
-  </mc:AlternateContent>
-  <p:timing>
-    <p:tnLst>
-      <p:par>
-        <p:cTn id="1" dur="indefinite" restart="never" nodeType="tmRoot"/>
-      </p:par>
-    </p:tnLst>
-  </p:timing>
-</p:sld>
-</file>
-
-<file path=ppt/slides/slide8.xml><?xml version="1.0" encoding="utf-8"?>
-<p:sld xmlns:a="http://schemas.openxmlformats.org/drawingml/2006/main" xmlns:r="http://schemas.openxmlformats.org/officeDocument/2006/relationships" xmlns:p="http://schemas.openxmlformats.org/presentationml/2006/main" show="0">
-  <p:cSld>
-    <p:spTree>
-      <p:nvGrpSpPr>
-        <p:cNvPr id="1" name=""/>
-        <p:cNvGrpSpPr/>
-        <p:nvPr/>
-      </p:nvGrpSpPr>
-      <p:grpSpPr>
-        <a:xfrm>
-          <a:off x="0" y="0"/>
-          <a:ext cx="0" cy="0"/>
-          <a:chOff x="0" y="0"/>
-          <a:chExt cx="0" cy="0"/>
-        </a:xfrm>
-      </p:grpSpPr>
-      <p:sp>
-        <p:nvSpPr>
-          <p:cNvPr id="2" name="Titel 1"/>
-          <p:cNvSpPr>
-            <a:spLocks noGrp="1"/>
-          </p:cNvSpPr>
-          <p:nvPr>
-            <p:ph type="title"/>
-          </p:nvPr>
-        </p:nvSpPr>
-        <p:spPr/>
-        <p:txBody>
-          <a:bodyPr>
-            <a:normAutofit/>
-          </a:bodyPr>
-          <a:lstStyle/>
-          <a:p>
-            <a:r>
-              <a:rPr lang="de-DE" dirty="0" smtClean="0"/>
-              <a:t>Befehle II</a:t>
-            </a:r>
-            <a:endParaRPr lang="de-DE" dirty="0"/>
-          </a:p>
-        </p:txBody>
-      </p:sp>
-      <p:sp>
-        <p:nvSpPr>
-          <p:cNvPr id="3" name="Inhaltsplatzhalter 2"/>
-          <p:cNvSpPr>
-            <a:spLocks noGrp="1"/>
-          </p:cNvSpPr>
-          <p:nvPr>
-            <p:ph idx="1"/>
-          </p:nvPr>
-        </p:nvSpPr>
-        <p:spPr/>
-        <p:txBody>
-          <a:bodyPr>
-            <a:normAutofit/>
-          </a:bodyPr>
-          <a:lstStyle/>
-          <a:p>
-            <a:pPr>
-              <a:lnSpc>
-                <a:spcPct val="150000"/>
-              </a:lnSpc>
-            </a:pPr>
-            <a:r>
-              <a:rPr lang="de-DE" dirty="0">
-                <a:latin typeface="Consolas" pitchFamily="49" charset="0"/>
-                <a:cs typeface="Consolas" pitchFamily="49" charset="0"/>
-              </a:rPr>
-              <a:t>git mv </a:t>
-            </a:r>
-            <a:r>
-              <a:rPr lang="de-DE" sz="2000" dirty="0" smtClean="0">
-                <a:latin typeface="Consolas" pitchFamily="49" charset="0"/>
-                <a:cs typeface="Consolas" pitchFamily="49" charset="0"/>
-              </a:rPr>
-              <a:t>&lt;</a:t>
-            </a:r>
-            <a:r>
-              <a:rPr lang="de-DE" sz="2000" dirty="0" err="1" smtClean="0">
-                <a:latin typeface="Consolas" pitchFamily="49" charset="0"/>
-                <a:cs typeface="Consolas" pitchFamily="49" charset="0"/>
-              </a:rPr>
-              <a:t>file_from</a:t>
-            </a:r>
-            <a:r>
-              <a:rPr lang="de-DE" sz="2000" dirty="0" smtClean="0">
-                <a:latin typeface="Consolas" pitchFamily="49" charset="0"/>
-                <a:cs typeface="Consolas" pitchFamily="49" charset="0"/>
-              </a:rPr>
-              <a:t>&gt; &lt;</a:t>
-            </a:r>
-            <a:r>
-              <a:rPr lang="de-DE" sz="2000" dirty="0" err="1" smtClean="0">
-                <a:latin typeface="Consolas" pitchFamily="49" charset="0"/>
-                <a:cs typeface="Consolas" pitchFamily="49" charset="0"/>
-              </a:rPr>
-              <a:t>file_to</a:t>
-            </a:r>
-            <a:r>
-              <a:rPr lang="de-DE" sz="2000" dirty="0" smtClean="0">
-                <a:latin typeface="Consolas" pitchFamily="49" charset="0"/>
-                <a:cs typeface="Consolas" pitchFamily="49" charset="0"/>
-              </a:rPr>
-              <a:t>&gt;</a:t>
-            </a:r>
-            <a:endParaRPr lang="de-DE" dirty="0">
-              <a:latin typeface="Consolas" pitchFamily="49" charset="0"/>
-              <a:cs typeface="Consolas" pitchFamily="49" charset="0"/>
-            </a:endParaRPr>
-          </a:p>
-        </p:txBody>
-      </p:sp>
-    </p:spTree>
-    <p:extLst>
-      <p:ext uri="{BB962C8B-B14F-4D97-AF65-F5344CB8AC3E}">
-        <p14:creationId xmlns:p14="http://schemas.microsoft.com/office/powerpoint/2010/main" val="1288090443"/>
-      </p:ext>
-    </p:extLst>
-  </p:cSld>
-  <p:clrMapOvr>
-    <a:masterClrMapping/>
-  </p:clrMapOvr>
-  <mc:AlternateContent xmlns:mc="http://schemas.openxmlformats.org/markup-compatibility/2006">
-    <mc:Choice xmlns:p14="http://schemas.microsoft.com/office/powerpoint/2010/main" Requires="p14">
-      <p:transition spd="slow" p14:dur="2000"/>
-    </mc:Choice>
-    <mc:Fallback>
-      <p:transition spd="slow"/>
-    </mc:Fallback>
-  </mc:AlternateContent>
   <p:timing>
     <p:tnLst>
       <p:par>
